--- a/digital mission/unit_1/ProjectPresentationTemplate.pptx
+++ b/digital mission/unit_1/ProjectPresentationTemplate.pptx
@@ -5,7 +5,7 @@
     <p:sldMasterId id="2147483659" r:id="rId1"/>
   </p:sldMasterIdLst>
   <p:notesMasterIdLst>
-    <p:notesMasterId r:id="rId20"/>
+    <p:notesMasterId r:id="rId36"/>
   </p:notesMasterIdLst>
   <p:sldIdLst>
     <p:sldId id="333" r:id="rId2"/>
@@ -26,23 +26,39 @@
     <p:sldId id="346" r:id="rId17"/>
     <p:sldId id="347" r:id="rId18"/>
     <p:sldId id="348" r:id="rId19"/>
+    <p:sldId id="349" r:id="rId20"/>
+    <p:sldId id="350" r:id="rId21"/>
+    <p:sldId id="351" r:id="rId22"/>
+    <p:sldId id="352" r:id="rId23"/>
+    <p:sldId id="353" r:id="rId24"/>
+    <p:sldId id="354" r:id="rId25"/>
+    <p:sldId id="355" r:id="rId26"/>
+    <p:sldId id="356" r:id="rId27"/>
+    <p:sldId id="357" r:id="rId28"/>
+    <p:sldId id="358" r:id="rId29"/>
+    <p:sldId id="359" r:id="rId30"/>
+    <p:sldId id="360" r:id="rId31"/>
+    <p:sldId id="361" r:id="rId32"/>
+    <p:sldId id="362" r:id="rId33"/>
+    <p:sldId id="363" r:id="rId34"/>
+    <p:sldId id="364" r:id="rId35"/>
   </p:sldIdLst>
   <p:sldSz cx="9144000" cy="6858000" type="screen4x3"/>
   <p:notesSz cx="6858000" cy="9144000"/>
   <p:embeddedFontLst>
     <p:embeddedFont>
       <p:font typeface="Archivo Narrow" panose="020B0604020202020204" charset="0"/>
-      <p:regular r:id="rId21"/>
-      <p:bold r:id="rId22"/>
-      <p:italic r:id="rId23"/>
-      <p:boldItalic r:id="rId24"/>
+      <p:regular r:id="rId37"/>
+      <p:bold r:id="rId38"/>
+      <p:italic r:id="rId39"/>
+      <p:boldItalic r:id="rId40"/>
     </p:embeddedFont>
     <p:embeddedFont>
       <p:font typeface="Georgia" panose="02040502050405020303" pitchFamily="18" charset="0"/>
-      <p:regular r:id="rId25"/>
-      <p:bold r:id="rId26"/>
-      <p:italic r:id="rId27"/>
-      <p:boldItalic r:id="rId28"/>
+      <p:regular r:id="rId41"/>
+      <p:bold r:id="rId42"/>
+      <p:italic r:id="rId43"/>
+      <p:boldItalic r:id="rId44"/>
     </p:embeddedFont>
   </p:embeddedFontLst>
   <p:defaultTextStyle>
@@ -14236,6 +14252,222 @@
 </p:sld>
 </file>
 
+<file path=ppt/slides/slide19.xml><?xml version="1.0" encoding="utf-8"?>
+<p:sld xmlns:a="http://schemas.openxmlformats.org/drawingml/2006/main" xmlns:r="http://schemas.openxmlformats.org/officeDocument/2006/relationships" xmlns:p="http://schemas.openxmlformats.org/presentationml/2006/main">
+  <p:cSld>
+    <p:spTree>
+      <p:nvGrpSpPr>
+        <p:cNvPr id="1" name=""/>
+        <p:cNvGrpSpPr/>
+        <p:nvPr/>
+      </p:nvGrpSpPr>
+      <p:grpSpPr>
+        <a:xfrm>
+          <a:off x="0" y="0"/>
+          <a:ext cx="0" cy="0"/>
+          <a:chOff x="0" y="0"/>
+          <a:chExt cx="0" cy="0"/>
+        </a:xfrm>
+      </p:grpSpPr>
+      <p:sp>
+        <p:nvSpPr>
+          <p:cNvPr id="43010" name="Title 1">
+            <a:extLst>
+              <a:ext uri="{FF2B5EF4-FFF2-40B4-BE49-F238E27FC236}">
+                <a16:creationId xmlns:a16="http://schemas.microsoft.com/office/drawing/2014/main" id="{71E0879D-7E21-4A23-9A8B-B479DC80AC32}"/>
+              </a:ext>
+            </a:extLst>
+          </p:cNvPr>
+          <p:cNvSpPr txBox="1">
+            <a:spLocks noGrp="1"/>
+          </p:cNvSpPr>
+          <p:nvPr>
+            <p:ph type="title"/>
+          </p:nvPr>
+        </p:nvSpPr>
+        <p:spPr>
+          <a:xfrm>
+            <a:off x="311150" y="593725"/>
+            <a:ext cx="8521700" cy="763588"/>
+          </a:xfrm>
+        </p:spPr>
+        <p:txBody>
+          <a:bodyPr/>
+          <a:lstStyle/>
+          <a:p>
+            <a:pPr algn="ctr" eaLnBrk="1" hangingPunct="1">
+              <a:spcBef>
+                <a:spcPct val="0"/>
+              </a:spcBef>
+              <a:spcAft>
+                <a:spcPct val="0"/>
+              </a:spcAft>
+            </a:pPr>
+            <a:r>
+              <a:rPr lang="en-IN" sz="3200" b="1" dirty="0"/>
+              <a:t>Security and Privacy</a:t>
+            </a:r>
+            <a:endParaRPr lang="en-IN" altLang="en-US" sz="2400" b="1" dirty="0">
+              <a:cs typeface="Archivo Narrow" charset="0"/>
+              <a:sym typeface="Archivo Narrow" charset="0"/>
+            </a:endParaRPr>
+          </a:p>
+        </p:txBody>
+      </p:sp>
+      <p:sp>
+        <p:nvSpPr>
+          <p:cNvPr id="43011" name="Text Placeholder 2">
+            <a:extLst>
+              <a:ext uri="{FF2B5EF4-FFF2-40B4-BE49-F238E27FC236}">
+                <a16:creationId xmlns:a16="http://schemas.microsoft.com/office/drawing/2014/main" id="{3AD6D7C1-B9E5-44A7-B0FF-E89714B35297}"/>
+              </a:ext>
+            </a:extLst>
+          </p:cNvPr>
+          <p:cNvSpPr txBox="1">
+            <a:spLocks noGrp="1"/>
+          </p:cNvSpPr>
+          <p:nvPr>
+            <p:ph type="body" idx="1"/>
+          </p:nvPr>
+        </p:nvSpPr>
+        <p:spPr>
+          <a:xfrm>
+            <a:off x="311150" y="1536700"/>
+            <a:ext cx="8521700" cy="4554538"/>
+          </a:xfrm>
+        </p:spPr>
+        <p:txBody>
+          <a:bodyPr/>
+          <a:lstStyle/>
+          <a:p>
+            <a:pPr marL="88900" indent="0">
+              <a:lnSpc>
+                <a:spcPct val="150000"/>
+              </a:lnSpc>
+              <a:buNone/>
+            </a:pPr>
+            <a:endParaRPr lang="en-US" sz="2000" b="1" dirty="0"/>
+          </a:p>
+          <a:p>
+            <a:pPr marL="88900" indent="0">
+              <a:lnSpc>
+                <a:spcPct val="150000"/>
+              </a:lnSpc>
+              <a:buNone/>
+            </a:pPr>
+            <a:endParaRPr lang="en-US" sz="2000" b="1" dirty="0"/>
+          </a:p>
+          <a:p>
+            <a:pPr marL="88900" indent="0">
+              <a:lnSpc>
+                <a:spcPct val="150000"/>
+              </a:lnSpc>
+              <a:buNone/>
+            </a:pPr>
+            <a:r>
+              <a:rPr lang="en-US" sz="2000" b="1" dirty="0"/>
+              <a:t>Two-Factor Authentication</a:t>
+            </a:r>
+            <a:r>
+              <a:rPr lang="en-US" sz="2000" dirty="0"/>
+              <a:t>: Enabling 2FA for added security.</a:t>
+            </a:r>
+          </a:p>
+          <a:p>
+            <a:pPr marL="88900" indent="0">
+              <a:lnSpc>
+                <a:spcPct val="150000"/>
+              </a:lnSpc>
+              <a:buNone/>
+            </a:pPr>
+            <a:r>
+              <a:rPr lang="en-US" sz="2000" b="1" dirty="0"/>
+              <a:t>Phishing and Spam Protection</a:t>
+            </a:r>
+            <a:r>
+              <a:rPr lang="en-US" sz="2000" dirty="0"/>
+              <a:t>: Recognizing and reporting phishing attempts and spam.</a:t>
+            </a:r>
+          </a:p>
+          <a:p>
+            <a:pPr marL="88900" indent="0">
+              <a:lnSpc>
+                <a:spcPct val="150000"/>
+              </a:lnSpc>
+              <a:buNone/>
+            </a:pPr>
+            <a:r>
+              <a:rPr lang="en-US" sz="2000" b="1" dirty="0"/>
+              <a:t>Email Encryption</a:t>
+            </a:r>
+            <a:r>
+              <a:rPr lang="en-US" sz="2000" dirty="0"/>
+              <a:t>: Understanding Gmail’s encryption for secure communication.</a:t>
+            </a:r>
+            <a:endParaRPr lang="en-US" sz="1600" b="1" dirty="0"/>
+          </a:p>
+        </p:txBody>
+      </p:sp>
+      <p:sp>
+        <p:nvSpPr>
+          <p:cNvPr id="2" name="Slide Number Placeholder 1">
+            <a:extLst>
+              <a:ext uri="{FF2B5EF4-FFF2-40B4-BE49-F238E27FC236}">
+                <a16:creationId xmlns:a16="http://schemas.microsoft.com/office/drawing/2014/main" id="{E5AF1940-A243-4526-83EE-AF8D3FC0AFB8}"/>
+              </a:ext>
+            </a:extLst>
+          </p:cNvPr>
+          <p:cNvSpPr>
+            <a:spLocks noGrp="1"/>
+          </p:cNvSpPr>
+          <p:nvPr>
+            <p:ph type="sldNum" idx="10"/>
+          </p:nvPr>
+        </p:nvSpPr>
+        <p:spPr/>
+        <p:txBody>
+          <a:bodyPr/>
+          <a:lstStyle/>
+          <a:p>
+            <a:pPr>
+              <a:defRPr/>
+            </a:pPr>
+            <a:fld id="{9D2B33C2-A734-4AB5-AC6D-A69A02FE3E9B}" type="slidenum">
+              <a:rPr lang="en-GB" altLang="en-US" sz="1600" smtClean="0">
+                <a:solidFill>
+                  <a:schemeClr val="bg1"/>
+                </a:solidFill>
+                <a:latin typeface="Times New Roman" panose="02020603050405020304" pitchFamily="18" charset="0"/>
+                <a:cs typeface="Times New Roman" panose="02020603050405020304" pitchFamily="18" charset="0"/>
+              </a:rPr>
+              <a:pPr>
+                <a:defRPr/>
+              </a:pPr>
+              <a:t>19</a:t>
+            </a:fld>
+            <a:endParaRPr lang="en-US" altLang="en-US" sz="1600">
+              <a:solidFill>
+                <a:schemeClr val="bg1"/>
+              </a:solidFill>
+              <a:latin typeface="Times New Roman" panose="02020603050405020304" pitchFamily="18" charset="0"/>
+              <a:cs typeface="Times New Roman" panose="02020603050405020304" pitchFamily="18" charset="0"/>
+            </a:endParaRPr>
+          </a:p>
+        </p:txBody>
+      </p:sp>
+    </p:spTree>
+    <p:extLst>
+      <p:ext uri="{BB962C8B-B14F-4D97-AF65-F5344CB8AC3E}">
+        <p14:creationId xmlns:p14="http://schemas.microsoft.com/office/powerpoint/2010/main" val="1758169712"/>
+      </p:ext>
+    </p:extLst>
+  </p:cSld>
+  <p:clrMapOvr>
+    <a:masterClrMapping/>
+  </p:clrMapOvr>
+</p:sld>
+</file>
+
 <file path=ppt/slides/slide2.xml><?xml version="1.0" encoding="utf-8"?>
 <p:sld xmlns:a="http://schemas.openxmlformats.org/drawingml/2006/main" xmlns:r="http://schemas.openxmlformats.org/officeDocument/2006/relationships" xmlns:p="http://schemas.openxmlformats.org/presentationml/2006/main">
   <p:cSld>
@@ -14429,6 +14661,2163 @@
         </p:txBody>
       </p:sp>
     </p:spTree>
+  </p:cSld>
+  <p:clrMapOvr>
+    <a:masterClrMapping/>
+  </p:clrMapOvr>
+</p:sld>
+</file>
+
+<file path=ppt/slides/slide20.xml><?xml version="1.0" encoding="utf-8"?>
+<p:sld xmlns:a="http://schemas.openxmlformats.org/drawingml/2006/main" xmlns:r="http://schemas.openxmlformats.org/officeDocument/2006/relationships" xmlns:p="http://schemas.openxmlformats.org/presentationml/2006/main">
+  <p:cSld>
+    <p:spTree>
+      <p:nvGrpSpPr>
+        <p:cNvPr id="1" name=""/>
+        <p:cNvGrpSpPr/>
+        <p:nvPr/>
+      </p:nvGrpSpPr>
+      <p:grpSpPr>
+        <a:xfrm>
+          <a:off x="0" y="0"/>
+          <a:ext cx="0" cy="0"/>
+          <a:chOff x="0" y="0"/>
+          <a:chExt cx="0" cy="0"/>
+        </a:xfrm>
+      </p:grpSpPr>
+      <p:sp>
+        <p:nvSpPr>
+          <p:cNvPr id="43010" name="Title 1">
+            <a:extLst>
+              <a:ext uri="{FF2B5EF4-FFF2-40B4-BE49-F238E27FC236}">
+                <a16:creationId xmlns:a16="http://schemas.microsoft.com/office/drawing/2014/main" id="{71E0879D-7E21-4A23-9A8B-B479DC80AC32}"/>
+              </a:ext>
+            </a:extLst>
+          </p:cNvPr>
+          <p:cNvSpPr txBox="1">
+            <a:spLocks noGrp="1"/>
+          </p:cNvSpPr>
+          <p:nvPr>
+            <p:ph type="title"/>
+          </p:nvPr>
+        </p:nvSpPr>
+        <p:spPr>
+          <a:xfrm>
+            <a:off x="311150" y="593725"/>
+            <a:ext cx="8521700" cy="763588"/>
+          </a:xfrm>
+        </p:spPr>
+        <p:txBody>
+          <a:bodyPr/>
+          <a:lstStyle/>
+          <a:p>
+            <a:pPr algn="ctr" eaLnBrk="1" hangingPunct="1">
+              <a:spcBef>
+                <a:spcPct val="0"/>
+              </a:spcBef>
+              <a:spcAft>
+                <a:spcPct val="0"/>
+              </a:spcAft>
+            </a:pPr>
+            <a:r>
+              <a:rPr lang="en-IN" sz="3200" b="1" dirty="0"/>
+              <a:t>Basic Settings of Gmail</a:t>
+            </a:r>
+            <a:endParaRPr lang="en-IN" altLang="en-US" sz="2400" b="1" dirty="0">
+              <a:cs typeface="Archivo Narrow" charset="0"/>
+              <a:sym typeface="Archivo Narrow" charset="0"/>
+            </a:endParaRPr>
+          </a:p>
+        </p:txBody>
+      </p:sp>
+      <p:sp>
+        <p:nvSpPr>
+          <p:cNvPr id="43011" name="Text Placeholder 2">
+            <a:extLst>
+              <a:ext uri="{FF2B5EF4-FFF2-40B4-BE49-F238E27FC236}">
+                <a16:creationId xmlns:a16="http://schemas.microsoft.com/office/drawing/2014/main" id="{3AD6D7C1-B9E5-44A7-B0FF-E89714B35297}"/>
+              </a:ext>
+            </a:extLst>
+          </p:cNvPr>
+          <p:cNvSpPr txBox="1">
+            <a:spLocks noGrp="1"/>
+          </p:cNvSpPr>
+          <p:nvPr>
+            <p:ph type="body" idx="1"/>
+          </p:nvPr>
+        </p:nvSpPr>
+        <p:spPr>
+          <a:xfrm>
+            <a:off x="311150" y="1536700"/>
+            <a:ext cx="8521700" cy="4554538"/>
+          </a:xfrm>
+        </p:spPr>
+        <p:txBody>
+          <a:bodyPr/>
+          <a:lstStyle/>
+          <a:p>
+            <a:pPr marL="88900" indent="0">
+              <a:lnSpc>
+                <a:spcPct val="150000"/>
+              </a:lnSpc>
+              <a:buNone/>
+            </a:pPr>
+            <a:r>
+              <a:rPr lang="en-IN" sz="2800" b="1" dirty="0"/>
+              <a:t>Accessing Gmail Settings</a:t>
+            </a:r>
+          </a:p>
+          <a:p>
+            <a:pPr marL="1003300" lvl="1" indent="-457200">
+              <a:lnSpc>
+                <a:spcPct val="150000"/>
+              </a:lnSpc>
+              <a:buFont typeface="+mj-lt"/>
+              <a:buAutoNum type="arabicPeriod"/>
+            </a:pPr>
+            <a:r>
+              <a:rPr lang="en-US" sz="2000" b="1" dirty="0"/>
+              <a:t>Navigating to Settings</a:t>
+            </a:r>
+            <a:r>
+              <a:rPr lang="en-US" sz="2000" dirty="0"/>
+              <a:t>: Click on the gear icon in the top-right corner of Gmail and select “See all settings.”</a:t>
+            </a:r>
+          </a:p>
+          <a:p>
+            <a:pPr marL="1003300" lvl="1" indent="-457200">
+              <a:lnSpc>
+                <a:spcPct val="150000"/>
+              </a:lnSpc>
+              <a:buFont typeface="+mj-lt"/>
+              <a:buAutoNum type="arabicPeriod"/>
+            </a:pPr>
+            <a:r>
+              <a:rPr lang="en-US" sz="2000" b="1" dirty="0"/>
+              <a:t>Settings Tabs</a:t>
+            </a:r>
+            <a:r>
+              <a:rPr lang="en-US" sz="2000" dirty="0"/>
+              <a:t>: Overview of the different tabs available (General, Labels, Inbox, Accounts and Import, Filters and Blocked Addresses, Forwarding and POP/IMAP, Add-ons, Chat and Meet, Advanced).</a:t>
+            </a:r>
+            <a:endParaRPr lang="en-US" sz="1600" b="1" dirty="0"/>
+          </a:p>
+        </p:txBody>
+      </p:sp>
+      <p:sp>
+        <p:nvSpPr>
+          <p:cNvPr id="2" name="Slide Number Placeholder 1">
+            <a:extLst>
+              <a:ext uri="{FF2B5EF4-FFF2-40B4-BE49-F238E27FC236}">
+                <a16:creationId xmlns:a16="http://schemas.microsoft.com/office/drawing/2014/main" id="{E5AF1940-A243-4526-83EE-AF8D3FC0AFB8}"/>
+              </a:ext>
+            </a:extLst>
+          </p:cNvPr>
+          <p:cNvSpPr>
+            <a:spLocks noGrp="1"/>
+          </p:cNvSpPr>
+          <p:nvPr>
+            <p:ph type="sldNum" idx="10"/>
+          </p:nvPr>
+        </p:nvSpPr>
+        <p:spPr/>
+        <p:txBody>
+          <a:bodyPr/>
+          <a:lstStyle/>
+          <a:p>
+            <a:pPr>
+              <a:defRPr/>
+            </a:pPr>
+            <a:fld id="{9D2B33C2-A734-4AB5-AC6D-A69A02FE3E9B}" type="slidenum">
+              <a:rPr lang="en-GB" altLang="en-US" sz="1600" smtClean="0">
+                <a:solidFill>
+                  <a:schemeClr val="bg1"/>
+                </a:solidFill>
+                <a:latin typeface="Times New Roman" panose="02020603050405020304" pitchFamily="18" charset="0"/>
+                <a:cs typeface="Times New Roman" panose="02020603050405020304" pitchFamily="18" charset="0"/>
+              </a:rPr>
+              <a:pPr>
+                <a:defRPr/>
+              </a:pPr>
+              <a:t>20</a:t>
+            </a:fld>
+            <a:endParaRPr lang="en-US" altLang="en-US" sz="1600">
+              <a:solidFill>
+                <a:schemeClr val="bg1"/>
+              </a:solidFill>
+              <a:latin typeface="Times New Roman" panose="02020603050405020304" pitchFamily="18" charset="0"/>
+              <a:cs typeface="Times New Roman" panose="02020603050405020304" pitchFamily="18" charset="0"/>
+            </a:endParaRPr>
+          </a:p>
+        </p:txBody>
+      </p:sp>
+    </p:spTree>
+    <p:extLst>
+      <p:ext uri="{BB962C8B-B14F-4D97-AF65-F5344CB8AC3E}">
+        <p14:creationId xmlns:p14="http://schemas.microsoft.com/office/powerpoint/2010/main" val="2790786414"/>
+      </p:ext>
+    </p:extLst>
+  </p:cSld>
+  <p:clrMapOvr>
+    <a:masterClrMapping/>
+  </p:clrMapOvr>
+</p:sld>
+</file>
+
+<file path=ppt/slides/slide21.xml><?xml version="1.0" encoding="utf-8"?>
+<p:sld xmlns:a="http://schemas.openxmlformats.org/drawingml/2006/main" xmlns:r="http://schemas.openxmlformats.org/officeDocument/2006/relationships" xmlns:p="http://schemas.openxmlformats.org/presentationml/2006/main">
+  <p:cSld>
+    <p:spTree>
+      <p:nvGrpSpPr>
+        <p:cNvPr id="1" name=""/>
+        <p:cNvGrpSpPr/>
+        <p:nvPr/>
+      </p:nvGrpSpPr>
+      <p:grpSpPr>
+        <a:xfrm>
+          <a:off x="0" y="0"/>
+          <a:ext cx="0" cy="0"/>
+          <a:chOff x="0" y="0"/>
+          <a:chExt cx="0" cy="0"/>
+        </a:xfrm>
+      </p:grpSpPr>
+      <p:sp>
+        <p:nvSpPr>
+          <p:cNvPr id="43010" name="Title 1">
+            <a:extLst>
+              <a:ext uri="{FF2B5EF4-FFF2-40B4-BE49-F238E27FC236}">
+                <a16:creationId xmlns:a16="http://schemas.microsoft.com/office/drawing/2014/main" id="{71E0879D-7E21-4A23-9A8B-B479DC80AC32}"/>
+              </a:ext>
+            </a:extLst>
+          </p:cNvPr>
+          <p:cNvSpPr txBox="1">
+            <a:spLocks noGrp="1"/>
+          </p:cNvSpPr>
+          <p:nvPr>
+            <p:ph type="title"/>
+          </p:nvPr>
+        </p:nvSpPr>
+        <p:spPr>
+          <a:xfrm>
+            <a:off x="311150" y="593725"/>
+            <a:ext cx="8521700" cy="763588"/>
+          </a:xfrm>
+        </p:spPr>
+        <p:txBody>
+          <a:bodyPr/>
+          <a:lstStyle/>
+          <a:p>
+            <a:pPr algn="ctr" eaLnBrk="1" hangingPunct="1">
+              <a:spcBef>
+                <a:spcPct val="0"/>
+              </a:spcBef>
+              <a:spcAft>
+                <a:spcPct val="0"/>
+              </a:spcAft>
+            </a:pPr>
+            <a:r>
+              <a:rPr lang="en-IN" sz="3200" b="1" dirty="0"/>
+              <a:t>General Settings</a:t>
+            </a:r>
+            <a:endParaRPr lang="en-IN" altLang="en-US" sz="2400" b="1" dirty="0">
+              <a:cs typeface="Archivo Narrow" charset="0"/>
+              <a:sym typeface="Archivo Narrow" charset="0"/>
+            </a:endParaRPr>
+          </a:p>
+        </p:txBody>
+      </p:sp>
+      <p:sp>
+        <p:nvSpPr>
+          <p:cNvPr id="43011" name="Text Placeholder 2">
+            <a:extLst>
+              <a:ext uri="{FF2B5EF4-FFF2-40B4-BE49-F238E27FC236}">
+                <a16:creationId xmlns:a16="http://schemas.microsoft.com/office/drawing/2014/main" id="{3AD6D7C1-B9E5-44A7-B0FF-E89714B35297}"/>
+              </a:ext>
+            </a:extLst>
+          </p:cNvPr>
+          <p:cNvSpPr txBox="1">
+            <a:spLocks noGrp="1"/>
+          </p:cNvSpPr>
+          <p:nvPr>
+            <p:ph type="body" idx="1"/>
+          </p:nvPr>
+        </p:nvSpPr>
+        <p:spPr>
+          <a:xfrm>
+            <a:off x="311150" y="1536700"/>
+            <a:ext cx="8521700" cy="4554538"/>
+          </a:xfrm>
+        </p:spPr>
+        <p:txBody>
+          <a:bodyPr/>
+          <a:lstStyle/>
+          <a:p>
+            <a:pPr marL="88900" indent="0">
+              <a:lnSpc>
+                <a:spcPct val="150000"/>
+              </a:lnSpc>
+              <a:buNone/>
+            </a:pPr>
+            <a:endParaRPr lang="en-US" sz="2000" b="1" dirty="0"/>
+          </a:p>
+          <a:p>
+            <a:pPr marL="88900" indent="0">
+              <a:lnSpc>
+                <a:spcPct val="150000"/>
+              </a:lnSpc>
+              <a:buNone/>
+            </a:pPr>
+            <a:r>
+              <a:rPr lang="en-US" sz="2000" b="1" dirty="0"/>
+              <a:t>Language</a:t>
+            </a:r>
+            <a:r>
+              <a:rPr lang="en-US" sz="2000" dirty="0"/>
+              <a:t>: Select your preferred language for the Gmail interface.</a:t>
+            </a:r>
+          </a:p>
+          <a:p>
+            <a:pPr marL="88900" indent="0">
+              <a:lnSpc>
+                <a:spcPct val="150000"/>
+              </a:lnSpc>
+              <a:buNone/>
+            </a:pPr>
+            <a:r>
+              <a:rPr lang="en-US" sz="2000" b="1" dirty="0"/>
+              <a:t>Page Size</a:t>
+            </a:r>
+            <a:r>
+              <a:rPr lang="en-US" sz="2000" dirty="0"/>
+              <a:t>: Set the number of conversations to display per page in the inbox.</a:t>
+            </a:r>
+          </a:p>
+          <a:p>
+            <a:pPr marL="88900" indent="0">
+              <a:lnSpc>
+                <a:spcPct val="150000"/>
+              </a:lnSpc>
+              <a:buNone/>
+            </a:pPr>
+            <a:r>
+              <a:rPr lang="en-US" sz="2000" b="1" dirty="0"/>
+              <a:t>Undo Send</a:t>
+            </a:r>
+            <a:r>
+              <a:rPr lang="en-US" sz="2000" dirty="0"/>
+              <a:t>: Adjust the cancellation period for the Undo Send feature (5-30 seconds).</a:t>
+            </a:r>
+          </a:p>
+          <a:p>
+            <a:pPr marL="88900" indent="0">
+              <a:lnSpc>
+                <a:spcPct val="150000"/>
+              </a:lnSpc>
+              <a:buNone/>
+            </a:pPr>
+            <a:r>
+              <a:rPr lang="en-US" sz="2000" b="1" dirty="0"/>
+              <a:t>Default Text Style</a:t>
+            </a:r>
+            <a:r>
+              <a:rPr lang="en-US" sz="2000" dirty="0"/>
+              <a:t>: Customize the default font, size, and color for your emails.</a:t>
+            </a:r>
+          </a:p>
+          <a:p>
+            <a:pPr marL="88900" indent="0">
+              <a:lnSpc>
+                <a:spcPct val="150000"/>
+              </a:lnSpc>
+              <a:buNone/>
+            </a:pPr>
+            <a:r>
+              <a:rPr lang="en-US" sz="2000" b="1" dirty="0"/>
+              <a:t>Images</a:t>
+            </a:r>
+            <a:r>
+              <a:rPr lang="en-US" sz="2000" dirty="0"/>
+              <a:t>: Choose to always display external images or ask before displaying them</a:t>
+            </a:r>
+          </a:p>
+          <a:p>
+            <a:pPr marL="88900" indent="0">
+              <a:lnSpc>
+                <a:spcPct val="150000"/>
+              </a:lnSpc>
+              <a:buNone/>
+            </a:pPr>
+            <a:endParaRPr lang="en-US" sz="1600" b="1" dirty="0"/>
+          </a:p>
+        </p:txBody>
+      </p:sp>
+      <p:sp>
+        <p:nvSpPr>
+          <p:cNvPr id="2" name="Slide Number Placeholder 1">
+            <a:extLst>
+              <a:ext uri="{FF2B5EF4-FFF2-40B4-BE49-F238E27FC236}">
+                <a16:creationId xmlns:a16="http://schemas.microsoft.com/office/drawing/2014/main" id="{E5AF1940-A243-4526-83EE-AF8D3FC0AFB8}"/>
+              </a:ext>
+            </a:extLst>
+          </p:cNvPr>
+          <p:cNvSpPr>
+            <a:spLocks noGrp="1"/>
+          </p:cNvSpPr>
+          <p:nvPr>
+            <p:ph type="sldNum" idx="10"/>
+          </p:nvPr>
+        </p:nvSpPr>
+        <p:spPr/>
+        <p:txBody>
+          <a:bodyPr/>
+          <a:lstStyle/>
+          <a:p>
+            <a:pPr>
+              <a:defRPr/>
+            </a:pPr>
+            <a:fld id="{9D2B33C2-A734-4AB5-AC6D-A69A02FE3E9B}" type="slidenum">
+              <a:rPr lang="en-GB" altLang="en-US" sz="1600" smtClean="0">
+                <a:solidFill>
+                  <a:schemeClr val="bg1"/>
+                </a:solidFill>
+                <a:latin typeface="Times New Roman" panose="02020603050405020304" pitchFamily="18" charset="0"/>
+                <a:cs typeface="Times New Roman" panose="02020603050405020304" pitchFamily="18" charset="0"/>
+              </a:rPr>
+              <a:pPr>
+                <a:defRPr/>
+              </a:pPr>
+              <a:t>21</a:t>
+            </a:fld>
+            <a:endParaRPr lang="en-US" altLang="en-US" sz="1600">
+              <a:solidFill>
+                <a:schemeClr val="bg1"/>
+              </a:solidFill>
+              <a:latin typeface="Times New Roman" panose="02020603050405020304" pitchFamily="18" charset="0"/>
+              <a:cs typeface="Times New Roman" panose="02020603050405020304" pitchFamily="18" charset="0"/>
+            </a:endParaRPr>
+          </a:p>
+        </p:txBody>
+      </p:sp>
+    </p:spTree>
+    <p:extLst>
+      <p:ext uri="{BB962C8B-B14F-4D97-AF65-F5344CB8AC3E}">
+        <p14:creationId xmlns:p14="http://schemas.microsoft.com/office/powerpoint/2010/main" val="373626600"/>
+      </p:ext>
+    </p:extLst>
+  </p:cSld>
+  <p:clrMapOvr>
+    <a:masterClrMapping/>
+  </p:clrMapOvr>
+</p:sld>
+</file>
+
+<file path=ppt/slides/slide22.xml><?xml version="1.0" encoding="utf-8"?>
+<p:sld xmlns:a="http://schemas.openxmlformats.org/drawingml/2006/main" xmlns:r="http://schemas.openxmlformats.org/officeDocument/2006/relationships" xmlns:p="http://schemas.openxmlformats.org/presentationml/2006/main">
+  <p:cSld>
+    <p:spTree>
+      <p:nvGrpSpPr>
+        <p:cNvPr id="1" name=""/>
+        <p:cNvGrpSpPr/>
+        <p:nvPr/>
+      </p:nvGrpSpPr>
+      <p:grpSpPr>
+        <a:xfrm>
+          <a:off x="0" y="0"/>
+          <a:ext cx="0" cy="0"/>
+          <a:chOff x="0" y="0"/>
+          <a:chExt cx="0" cy="0"/>
+        </a:xfrm>
+      </p:grpSpPr>
+      <p:sp>
+        <p:nvSpPr>
+          <p:cNvPr id="43010" name="Title 1">
+            <a:extLst>
+              <a:ext uri="{FF2B5EF4-FFF2-40B4-BE49-F238E27FC236}">
+                <a16:creationId xmlns:a16="http://schemas.microsoft.com/office/drawing/2014/main" id="{71E0879D-7E21-4A23-9A8B-B479DC80AC32}"/>
+              </a:ext>
+            </a:extLst>
+          </p:cNvPr>
+          <p:cNvSpPr txBox="1">
+            <a:spLocks noGrp="1"/>
+          </p:cNvSpPr>
+          <p:nvPr>
+            <p:ph type="title"/>
+          </p:nvPr>
+        </p:nvSpPr>
+        <p:spPr>
+          <a:xfrm>
+            <a:off x="311150" y="593725"/>
+            <a:ext cx="8521700" cy="763588"/>
+          </a:xfrm>
+        </p:spPr>
+        <p:txBody>
+          <a:bodyPr/>
+          <a:lstStyle/>
+          <a:p>
+            <a:pPr algn="ctr" eaLnBrk="1" hangingPunct="1">
+              <a:spcBef>
+                <a:spcPct val="0"/>
+              </a:spcBef>
+              <a:spcAft>
+                <a:spcPct val="0"/>
+              </a:spcAft>
+            </a:pPr>
+            <a:r>
+              <a:rPr lang="en-IN" sz="3200" b="1" dirty="0"/>
+              <a:t>Labels</a:t>
+            </a:r>
+            <a:endParaRPr lang="en-IN" altLang="en-US" sz="2400" b="1" dirty="0">
+              <a:cs typeface="Archivo Narrow" charset="0"/>
+              <a:sym typeface="Archivo Narrow" charset="0"/>
+            </a:endParaRPr>
+          </a:p>
+        </p:txBody>
+      </p:sp>
+      <p:sp>
+        <p:nvSpPr>
+          <p:cNvPr id="43011" name="Text Placeholder 2">
+            <a:extLst>
+              <a:ext uri="{FF2B5EF4-FFF2-40B4-BE49-F238E27FC236}">
+                <a16:creationId xmlns:a16="http://schemas.microsoft.com/office/drawing/2014/main" id="{3AD6D7C1-B9E5-44A7-B0FF-E89714B35297}"/>
+              </a:ext>
+            </a:extLst>
+          </p:cNvPr>
+          <p:cNvSpPr txBox="1">
+            <a:spLocks noGrp="1"/>
+          </p:cNvSpPr>
+          <p:nvPr>
+            <p:ph type="body" idx="1"/>
+          </p:nvPr>
+        </p:nvSpPr>
+        <p:spPr>
+          <a:xfrm>
+            <a:off x="311150" y="1536700"/>
+            <a:ext cx="8521700" cy="4554538"/>
+          </a:xfrm>
+        </p:spPr>
+        <p:txBody>
+          <a:bodyPr/>
+          <a:lstStyle/>
+          <a:p>
+            <a:pPr marL="88900" indent="0">
+              <a:lnSpc>
+                <a:spcPct val="150000"/>
+              </a:lnSpc>
+              <a:buNone/>
+            </a:pPr>
+            <a:endParaRPr lang="en-US" sz="2000" b="1" dirty="0"/>
+          </a:p>
+          <a:p>
+            <a:pPr marL="88900" indent="0">
+              <a:lnSpc>
+                <a:spcPct val="150000"/>
+              </a:lnSpc>
+              <a:buNone/>
+            </a:pPr>
+            <a:endParaRPr lang="en-US" sz="2000" b="1" dirty="0"/>
+          </a:p>
+          <a:p>
+            <a:pPr marL="88900" indent="0">
+              <a:lnSpc>
+                <a:spcPct val="150000"/>
+              </a:lnSpc>
+              <a:buNone/>
+            </a:pPr>
+            <a:r>
+              <a:rPr lang="en-US" sz="2000" b="1" dirty="0"/>
+              <a:t>Managing Labels</a:t>
+            </a:r>
+            <a:r>
+              <a:rPr lang="en-US" sz="2000" dirty="0"/>
+              <a:t>: Create, edit, and delete labels to organize emails.</a:t>
+            </a:r>
+            <a:endParaRPr lang="en-US" sz="2000" b="1" dirty="0"/>
+          </a:p>
+          <a:p>
+            <a:pPr marL="88900" indent="0">
+              <a:lnSpc>
+                <a:spcPct val="150000"/>
+              </a:lnSpc>
+              <a:buNone/>
+            </a:pPr>
+            <a:r>
+              <a:rPr lang="en-US" sz="2000" b="1" dirty="0"/>
+              <a:t>Show/Hide Labels</a:t>
+            </a:r>
+            <a:r>
+              <a:rPr lang="en-US" sz="2000" dirty="0"/>
+              <a:t>: Customize which labels appear in the label list and message list.</a:t>
+            </a:r>
+            <a:endParaRPr lang="en-US" sz="2000" b="1" dirty="0"/>
+          </a:p>
+          <a:p>
+            <a:pPr marL="88900" indent="0">
+              <a:lnSpc>
+                <a:spcPct val="150000"/>
+              </a:lnSpc>
+              <a:buNone/>
+            </a:pPr>
+            <a:r>
+              <a:rPr lang="en-US" sz="2000" b="1" dirty="0"/>
+              <a:t>Nested Labels</a:t>
+            </a:r>
+            <a:r>
+              <a:rPr lang="en-US" sz="2000" dirty="0"/>
+              <a:t>: Use nested labels for hierarchical organization.</a:t>
+            </a:r>
+            <a:endParaRPr lang="en-US" sz="2000" b="1" dirty="0"/>
+          </a:p>
+        </p:txBody>
+      </p:sp>
+      <p:sp>
+        <p:nvSpPr>
+          <p:cNvPr id="2" name="Slide Number Placeholder 1">
+            <a:extLst>
+              <a:ext uri="{FF2B5EF4-FFF2-40B4-BE49-F238E27FC236}">
+                <a16:creationId xmlns:a16="http://schemas.microsoft.com/office/drawing/2014/main" id="{E5AF1940-A243-4526-83EE-AF8D3FC0AFB8}"/>
+              </a:ext>
+            </a:extLst>
+          </p:cNvPr>
+          <p:cNvSpPr>
+            <a:spLocks noGrp="1"/>
+          </p:cNvSpPr>
+          <p:nvPr>
+            <p:ph type="sldNum" idx="10"/>
+          </p:nvPr>
+        </p:nvSpPr>
+        <p:spPr/>
+        <p:txBody>
+          <a:bodyPr/>
+          <a:lstStyle/>
+          <a:p>
+            <a:pPr>
+              <a:defRPr/>
+            </a:pPr>
+            <a:fld id="{9D2B33C2-A734-4AB5-AC6D-A69A02FE3E9B}" type="slidenum">
+              <a:rPr lang="en-GB" altLang="en-US" sz="1600" smtClean="0">
+                <a:solidFill>
+                  <a:schemeClr val="bg1"/>
+                </a:solidFill>
+                <a:latin typeface="Times New Roman" panose="02020603050405020304" pitchFamily="18" charset="0"/>
+                <a:cs typeface="Times New Roman" panose="02020603050405020304" pitchFamily="18" charset="0"/>
+              </a:rPr>
+              <a:pPr>
+                <a:defRPr/>
+              </a:pPr>
+              <a:t>22</a:t>
+            </a:fld>
+            <a:endParaRPr lang="en-US" altLang="en-US" sz="1600">
+              <a:solidFill>
+                <a:schemeClr val="bg1"/>
+              </a:solidFill>
+              <a:latin typeface="Times New Roman" panose="02020603050405020304" pitchFamily="18" charset="0"/>
+              <a:cs typeface="Times New Roman" panose="02020603050405020304" pitchFamily="18" charset="0"/>
+            </a:endParaRPr>
+          </a:p>
+        </p:txBody>
+      </p:sp>
+    </p:spTree>
+    <p:extLst>
+      <p:ext uri="{BB962C8B-B14F-4D97-AF65-F5344CB8AC3E}">
+        <p14:creationId xmlns:p14="http://schemas.microsoft.com/office/powerpoint/2010/main" val="2822911184"/>
+      </p:ext>
+    </p:extLst>
+  </p:cSld>
+  <p:clrMapOvr>
+    <a:masterClrMapping/>
+  </p:clrMapOvr>
+</p:sld>
+</file>
+
+<file path=ppt/slides/slide23.xml><?xml version="1.0" encoding="utf-8"?>
+<p:sld xmlns:a="http://schemas.openxmlformats.org/drawingml/2006/main" xmlns:r="http://schemas.openxmlformats.org/officeDocument/2006/relationships" xmlns:p="http://schemas.openxmlformats.org/presentationml/2006/main">
+  <p:cSld>
+    <p:spTree>
+      <p:nvGrpSpPr>
+        <p:cNvPr id="1" name=""/>
+        <p:cNvGrpSpPr/>
+        <p:nvPr/>
+      </p:nvGrpSpPr>
+      <p:grpSpPr>
+        <a:xfrm>
+          <a:off x="0" y="0"/>
+          <a:ext cx="0" cy="0"/>
+          <a:chOff x="0" y="0"/>
+          <a:chExt cx="0" cy="0"/>
+        </a:xfrm>
+      </p:grpSpPr>
+      <p:sp>
+        <p:nvSpPr>
+          <p:cNvPr id="43010" name="Title 1">
+            <a:extLst>
+              <a:ext uri="{FF2B5EF4-FFF2-40B4-BE49-F238E27FC236}">
+                <a16:creationId xmlns:a16="http://schemas.microsoft.com/office/drawing/2014/main" id="{71E0879D-7E21-4A23-9A8B-B479DC80AC32}"/>
+              </a:ext>
+            </a:extLst>
+          </p:cNvPr>
+          <p:cNvSpPr txBox="1">
+            <a:spLocks noGrp="1"/>
+          </p:cNvSpPr>
+          <p:nvPr>
+            <p:ph type="title"/>
+          </p:nvPr>
+        </p:nvSpPr>
+        <p:spPr>
+          <a:xfrm>
+            <a:off x="311150" y="593725"/>
+            <a:ext cx="8521700" cy="763588"/>
+          </a:xfrm>
+        </p:spPr>
+        <p:txBody>
+          <a:bodyPr/>
+          <a:lstStyle/>
+          <a:p>
+            <a:pPr algn="ctr" eaLnBrk="1" hangingPunct="1">
+              <a:spcBef>
+                <a:spcPct val="0"/>
+              </a:spcBef>
+              <a:spcAft>
+                <a:spcPct val="0"/>
+              </a:spcAft>
+            </a:pPr>
+            <a:r>
+              <a:rPr lang="en-IN" sz="3200" b="1" dirty="0"/>
+              <a:t>Inbox Settings</a:t>
+            </a:r>
+            <a:endParaRPr lang="en-IN" altLang="en-US" sz="2400" b="1" dirty="0">
+              <a:cs typeface="Archivo Narrow" charset="0"/>
+              <a:sym typeface="Archivo Narrow" charset="0"/>
+            </a:endParaRPr>
+          </a:p>
+        </p:txBody>
+      </p:sp>
+      <p:sp>
+        <p:nvSpPr>
+          <p:cNvPr id="43011" name="Text Placeholder 2">
+            <a:extLst>
+              <a:ext uri="{FF2B5EF4-FFF2-40B4-BE49-F238E27FC236}">
+                <a16:creationId xmlns:a16="http://schemas.microsoft.com/office/drawing/2014/main" id="{3AD6D7C1-B9E5-44A7-B0FF-E89714B35297}"/>
+              </a:ext>
+            </a:extLst>
+          </p:cNvPr>
+          <p:cNvSpPr txBox="1">
+            <a:spLocks noGrp="1"/>
+          </p:cNvSpPr>
+          <p:nvPr>
+            <p:ph type="body" idx="1"/>
+          </p:nvPr>
+        </p:nvSpPr>
+        <p:spPr>
+          <a:xfrm>
+            <a:off x="311150" y="1536700"/>
+            <a:ext cx="8521700" cy="4554538"/>
+          </a:xfrm>
+        </p:spPr>
+        <p:txBody>
+          <a:bodyPr/>
+          <a:lstStyle/>
+          <a:p>
+            <a:pPr marL="88900" indent="0">
+              <a:lnSpc>
+                <a:spcPct val="150000"/>
+              </a:lnSpc>
+              <a:buNone/>
+            </a:pPr>
+            <a:endParaRPr lang="en-US" sz="2000" b="1" dirty="0"/>
+          </a:p>
+          <a:p>
+            <a:pPr marL="88900" indent="0">
+              <a:lnSpc>
+                <a:spcPct val="150000"/>
+              </a:lnSpc>
+              <a:buNone/>
+            </a:pPr>
+            <a:endParaRPr lang="en-US" sz="2000" b="1" dirty="0"/>
+          </a:p>
+          <a:p>
+            <a:pPr marL="88900" indent="0">
+              <a:lnSpc>
+                <a:spcPct val="150000"/>
+              </a:lnSpc>
+              <a:buNone/>
+            </a:pPr>
+            <a:r>
+              <a:rPr lang="en-US" sz="2000" b="1" dirty="0"/>
+              <a:t>Inbox Type</a:t>
+            </a:r>
+            <a:r>
+              <a:rPr lang="en-US" sz="2000" dirty="0"/>
+              <a:t>: Choose your preferred inbox type (Default, Important first, Unread first, Starred first, Priority Inbox, Multiple Inboxes).</a:t>
+            </a:r>
+          </a:p>
+          <a:p>
+            <a:pPr marL="88900" indent="0">
+              <a:lnSpc>
+                <a:spcPct val="150000"/>
+              </a:lnSpc>
+              <a:buNone/>
+            </a:pPr>
+            <a:r>
+              <a:rPr lang="en-US" sz="2000" b="1" dirty="0"/>
+              <a:t>Categories</a:t>
+            </a:r>
+            <a:r>
+              <a:rPr lang="en-US" sz="2000" dirty="0"/>
+              <a:t>: Enable or disable categories (Primary, Social, Promotions, Updates, Forums).</a:t>
+            </a:r>
+          </a:p>
+          <a:p>
+            <a:pPr marL="88900" indent="0">
+              <a:lnSpc>
+                <a:spcPct val="150000"/>
+              </a:lnSpc>
+              <a:buNone/>
+            </a:pPr>
+            <a:r>
+              <a:rPr lang="en-US" sz="2000" b="1" dirty="0"/>
+              <a:t>Importance Markers</a:t>
+            </a:r>
+            <a:r>
+              <a:rPr lang="en-US" sz="2000" dirty="0"/>
+              <a:t>: Choose whether to use Gmail’s importance markers.</a:t>
+            </a:r>
+            <a:endParaRPr lang="en-US" sz="1600" b="1" dirty="0"/>
+          </a:p>
+        </p:txBody>
+      </p:sp>
+      <p:sp>
+        <p:nvSpPr>
+          <p:cNvPr id="2" name="Slide Number Placeholder 1">
+            <a:extLst>
+              <a:ext uri="{FF2B5EF4-FFF2-40B4-BE49-F238E27FC236}">
+                <a16:creationId xmlns:a16="http://schemas.microsoft.com/office/drawing/2014/main" id="{E5AF1940-A243-4526-83EE-AF8D3FC0AFB8}"/>
+              </a:ext>
+            </a:extLst>
+          </p:cNvPr>
+          <p:cNvSpPr>
+            <a:spLocks noGrp="1"/>
+          </p:cNvSpPr>
+          <p:nvPr>
+            <p:ph type="sldNum" idx="10"/>
+          </p:nvPr>
+        </p:nvSpPr>
+        <p:spPr/>
+        <p:txBody>
+          <a:bodyPr/>
+          <a:lstStyle/>
+          <a:p>
+            <a:pPr>
+              <a:defRPr/>
+            </a:pPr>
+            <a:fld id="{9D2B33C2-A734-4AB5-AC6D-A69A02FE3E9B}" type="slidenum">
+              <a:rPr lang="en-GB" altLang="en-US" sz="1600" smtClean="0">
+                <a:solidFill>
+                  <a:schemeClr val="bg1"/>
+                </a:solidFill>
+                <a:latin typeface="Times New Roman" panose="02020603050405020304" pitchFamily="18" charset="0"/>
+                <a:cs typeface="Times New Roman" panose="02020603050405020304" pitchFamily="18" charset="0"/>
+              </a:rPr>
+              <a:pPr>
+                <a:defRPr/>
+              </a:pPr>
+              <a:t>23</a:t>
+            </a:fld>
+            <a:endParaRPr lang="en-US" altLang="en-US" sz="1600">
+              <a:solidFill>
+                <a:schemeClr val="bg1"/>
+              </a:solidFill>
+              <a:latin typeface="Times New Roman" panose="02020603050405020304" pitchFamily="18" charset="0"/>
+              <a:cs typeface="Times New Roman" panose="02020603050405020304" pitchFamily="18" charset="0"/>
+            </a:endParaRPr>
+          </a:p>
+        </p:txBody>
+      </p:sp>
+    </p:spTree>
+    <p:extLst>
+      <p:ext uri="{BB962C8B-B14F-4D97-AF65-F5344CB8AC3E}">
+        <p14:creationId xmlns:p14="http://schemas.microsoft.com/office/powerpoint/2010/main" val="3187953062"/>
+      </p:ext>
+    </p:extLst>
+  </p:cSld>
+  <p:clrMapOvr>
+    <a:masterClrMapping/>
+  </p:clrMapOvr>
+</p:sld>
+</file>
+
+<file path=ppt/slides/slide24.xml><?xml version="1.0" encoding="utf-8"?>
+<p:sld xmlns:a="http://schemas.openxmlformats.org/drawingml/2006/main" xmlns:r="http://schemas.openxmlformats.org/officeDocument/2006/relationships" xmlns:p="http://schemas.openxmlformats.org/presentationml/2006/main">
+  <p:cSld>
+    <p:spTree>
+      <p:nvGrpSpPr>
+        <p:cNvPr id="1" name=""/>
+        <p:cNvGrpSpPr/>
+        <p:nvPr/>
+      </p:nvGrpSpPr>
+      <p:grpSpPr>
+        <a:xfrm>
+          <a:off x="0" y="0"/>
+          <a:ext cx="0" cy="0"/>
+          <a:chOff x="0" y="0"/>
+          <a:chExt cx="0" cy="0"/>
+        </a:xfrm>
+      </p:grpSpPr>
+      <p:sp>
+        <p:nvSpPr>
+          <p:cNvPr id="43010" name="Title 1">
+            <a:extLst>
+              <a:ext uri="{FF2B5EF4-FFF2-40B4-BE49-F238E27FC236}">
+                <a16:creationId xmlns:a16="http://schemas.microsoft.com/office/drawing/2014/main" id="{71E0879D-7E21-4A23-9A8B-B479DC80AC32}"/>
+              </a:ext>
+            </a:extLst>
+          </p:cNvPr>
+          <p:cNvSpPr txBox="1">
+            <a:spLocks noGrp="1"/>
+          </p:cNvSpPr>
+          <p:nvPr>
+            <p:ph type="title"/>
+          </p:nvPr>
+        </p:nvSpPr>
+        <p:spPr>
+          <a:xfrm>
+            <a:off x="311150" y="593725"/>
+            <a:ext cx="8521700" cy="763588"/>
+          </a:xfrm>
+        </p:spPr>
+        <p:txBody>
+          <a:bodyPr/>
+          <a:lstStyle/>
+          <a:p>
+            <a:pPr algn="ctr" eaLnBrk="1" hangingPunct="1">
+              <a:spcBef>
+                <a:spcPct val="0"/>
+              </a:spcBef>
+              <a:spcAft>
+                <a:spcPct val="0"/>
+              </a:spcAft>
+            </a:pPr>
+            <a:r>
+              <a:rPr lang="en-IN" sz="3200" b="1" dirty="0"/>
+              <a:t>Accounts and Import</a:t>
+            </a:r>
+            <a:endParaRPr lang="en-IN" altLang="en-US" sz="2400" b="1" dirty="0">
+              <a:cs typeface="Archivo Narrow" charset="0"/>
+              <a:sym typeface="Archivo Narrow" charset="0"/>
+            </a:endParaRPr>
+          </a:p>
+        </p:txBody>
+      </p:sp>
+      <p:sp>
+        <p:nvSpPr>
+          <p:cNvPr id="43011" name="Text Placeholder 2">
+            <a:extLst>
+              <a:ext uri="{FF2B5EF4-FFF2-40B4-BE49-F238E27FC236}">
+                <a16:creationId xmlns:a16="http://schemas.microsoft.com/office/drawing/2014/main" id="{3AD6D7C1-B9E5-44A7-B0FF-E89714B35297}"/>
+              </a:ext>
+            </a:extLst>
+          </p:cNvPr>
+          <p:cNvSpPr txBox="1">
+            <a:spLocks noGrp="1"/>
+          </p:cNvSpPr>
+          <p:nvPr>
+            <p:ph type="body" idx="1"/>
+          </p:nvPr>
+        </p:nvSpPr>
+        <p:spPr>
+          <a:xfrm>
+            <a:off x="311150" y="1536700"/>
+            <a:ext cx="8521700" cy="4554538"/>
+          </a:xfrm>
+        </p:spPr>
+        <p:txBody>
+          <a:bodyPr/>
+          <a:lstStyle/>
+          <a:p>
+            <a:pPr marL="88900" indent="0">
+              <a:lnSpc>
+                <a:spcPct val="150000"/>
+              </a:lnSpc>
+              <a:buNone/>
+            </a:pPr>
+            <a:endParaRPr lang="en-US" sz="2000" b="1" dirty="0"/>
+          </a:p>
+          <a:p>
+            <a:pPr marL="88900" indent="0">
+              <a:lnSpc>
+                <a:spcPct val="150000"/>
+              </a:lnSpc>
+              <a:buNone/>
+            </a:pPr>
+            <a:endParaRPr lang="en-US" sz="2000" b="1" dirty="0"/>
+          </a:p>
+          <a:p>
+            <a:pPr marL="88900" indent="0">
+              <a:lnSpc>
+                <a:spcPct val="150000"/>
+              </a:lnSpc>
+              <a:buNone/>
+            </a:pPr>
+            <a:r>
+              <a:rPr lang="en-US" sz="2000" b="1" dirty="0"/>
+              <a:t>Send Mail As</a:t>
+            </a:r>
+            <a:r>
+              <a:rPr lang="en-US" sz="2000" dirty="0"/>
+              <a:t>: Add another email address to send mail from within Gmail.</a:t>
+            </a:r>
+          </a:p>
+          <a:p>
+            <a:pPr marL="88900" indent="0">
+              <a:lnSpc>
+                <a:spcPct val="150000"/>
+              </a:lnSpc>
+              <a:buNone/>
+            </a:pPr>
+            <a:r>
+              <a:rPr lang="en-US" sz="2000" b="1" dirty="0"/>
+              <a:t>Check Mail from Other Accounts</a:t>
+            </a:r>
+            <a:r>
+              <a:rPr lang="en-US" sz="2000" dirty="0"/>
+              <a:t>: Add accounts to fetch mail from other email addresses.</a:t>
+            </a:r>
+          </a:p>
+          <a:p>
+            <a:pPr marL="88900" indent="0">
+              <a:lnSpc>
+                <a:spcPct val="150000"/>
+              </a:lnSpc>
+              <a:buNone/>
+            </a:pPr>
+            <a:r>
+              <a:rPr lang="en-US" sz="2000" b="1" dirty="0"/>
+              <a:t>Grant Access to Your Account</a:t>
+            </a:r>
+            <a:r>
+              <a:rPr lang="en-US" sz="2000" dirty="0"/>
+              <a:t>: Allow others to read and send mail on your behalf.</a:t>
+            </a:r>
+            <a:endParaRPr lang="en-US" sz="1600" b="1" dirty="0"/>
+          </a:p>
+        </p:txBody>
+      </p:sp>
+      <p:sp>
+        <p:nvSpPr>
+          <p:cNvPr id="2" name="Slide Number Placeholder 1">
+            <a:extLst>
+              <a:ext uri="{FF2B5EF4-FFF2-40B4-BE49-F238E27FC236}">
+                <a16:creationId xmlns:a16="http://schemas.microsoft.com/office/drawing/2014/main" id="{E5AF1940-A243-4526-83EE-AF8D3FC0AFB8}"/>
+              </a:ext>
+            </a:extLst>
+          </p:cNvPr>
+          <p:cNvSpPr>
+            <a:spLocks noGrp="1"/>
+          </p:cNvSpPr>
+          <p:nvPr>
+            <p:ph type="sldNum" idx="10"/>
+          </p:nvPr>
+        </p:nvSpPr>
+        <p:spPr/>
+        <p:txBody>
+          <a:bodyPr/>
+          <a:lstStyle/>
+          <a:p>
+            <a:pPr>
+              <a:defRPr/>
+            </a:pPr>
+            <a:fld id="{9D2B33C2-A734-4AB5-AC6D-A69A02FE3E9B}" type="slidenum">
+              <a:rPr lang="en-GB" altLang="en-US" sz="1600" smtClean="0">
+                <a:solidFill>
+                  <a:schemeClr val="bg1"/>
+                </a:solidFill>
+                <a:latin typeface="Times New Roman" panose="02020603050405020304" pitchFamily="18" charset="0"/>
+                <a:cs typeface="Times New Roman" panose="02020603050405020304" pitchFamily="18" charset="0"/>
+              </a:rPr>
+              <a:pPr>
+                <a:defRPr/>
+              </a:pPr>
+              <a:t>24</a:t>
+            </a:fld>
+            <a:endParaRPr lang="en-US" altLang="en-US" sz="1600">
+              <a:solidFill>
+                <a:schemeClr val="bg1"/>
+              </a:solidFill>
+              <a:latin typeface="Times New Roman" panose="02020603050405020304" pitchFamily="18" charset="0"/>
+              <a:cs typeface="Times New Roman" panose="02020603050405020304" pitchFamily="18" charset="0"/>
+            </a:endParaRPr>
+          </a:p>
+        </p:txBody>
+      </p:sp>
+    </p:spTree>
+    <p:extLst>
+      <p:ext uri="{BB962C8B-B14F-4D97-AF65-F5344CB8AC3E}">
+        <p14:creationId xmlns:p14="http://schemas.microsoft.com/office/powerpoint/2010/main" val="2176897143"/>
+      </p:ext>
+    </p:extLst>
+  </p:cSld>
+  <p:clrMapOvr>
+    <a:masterClrMapping/>
+  </p:clrMapOvr>
+</p:sld>
+</file>
+
+<file path=ppt/slides/slide25.xml><?xml version="1.0" encoding="utf-8"?>
+<p:sld xmlns:a="http://schemas.openxmlformats.org/drawingml/2006/main" xmlns:r="http://schemas.openxmlformats.org/officeDocument/2006/relationships" xmlns:p="http://schemas.openxmlformats.org/presentationml/2006/main">
+  <p:cSld>
+    <p:spTree>
+      <p:nvGrpSpPr>
+        <p:cNvPr id="1" name=""/>
+        <p:cNvGrpSpPr/>
+        <p:nvPr/>
+      </p:nvGrpSpPr>
+      <p:grpSpPr>
+        <a:xfrm>
+          <a:off x="0" y="0"/>
+          <a:ext cx="0" cy="0"/>
+          <a:chOff x="0" y="0"/>
+          <a:chExt cx="0" cy="0"/>
+        </a:xfrm>
+      </p:grpSpPr>
+      <p:sp>
+        <p:nvSpPr>
+          <p:cNvPr id="43010" name="Title 1">
+            <a:extLst>
+              <a:ext uri="{FF2B5EF4-FFF2-40B4-BE49-F238E27FC236}">
+                <a16:creationId xmlns:a16="http://schemas.microsoft.com/office/drawing/2014/main" id="{71E0879D-7E21-4A23-9A8B-B479DC80AC32}"/>
+              </a:ext>
+            </a:extLst>
+          </p:cNvPr>
+          <p:cNvSpPr txBox="1">
+            <a:spLocks noGrp="1"/>
+          </p:cNvSpPr>
+          <p:nvPr>
+            <p:ph type="title"/>
+          </p:nvPr>
+        </p:nvSpPr>
+        <p:spPr>
+          <a:xfrm>
+            <a:off x="311150" y="593725"/>
+            <a:ext cx="8521700" cy="763588"/>
+          </a:xfrm>
+        </p:spPr>
+        <p:txBody>
+          <a:bodyPr/>
+          <a:lstStyle/>
+          <a:p>
+            <a:pPr algn="ctr" eaLnBrk="1" hangingPunct="1">
+              <a:spcBef>
+                <a:spcPct val="0"/>
+              </a:spcBef>
+              <a:spcAft>
+                <a:spcPct val="0"/>
+              </a:spcAft>
+            </a:pPr>
+            <a:r>
+              <a:rPr lang="en-IN" sz="3200" b="1" dirty="0"/>
+              <a:t>Filters and Blocked Addresses</a:t>
+            </a:r>
+            <a:endParaRPr lang="en-IN" altLang="en-US" sz="2400" b="1" dirty="0">
+              <a:cs typeface="Archivo Narrow" charset="0"/>
+              <a:sym typeface="Archivo Narrow" charset="0"/>
+            </a:endParaRPr>
+          </a:p>
+        </p:txBody>
+      </p:sp>
+      <p:sp>
+        <p:nvSpPr>
+          <p:cNvPr id="43011" name="Text Placeholder 2">
+            <a:extLst>
+              <a:ext uri="{FF2B5EF4-FFF2-40B4-BE49-F238E27FC236}">
+                <a16:creationId xmlns:a16="http://schemas.microsoft.com/office/drawing/2014/main" id="{3AD6D7C1-B9E5-44A7-B0FF-E89714B35297}"/>
+              </a:ext>
+            </a:extLst>
+          </p:cNvPr>
+          <p:cNvSpPr txBox="1">
+            <a:spLocks noGrp="1"/>
+          </p:cNvSpPr>
+          <p:nvPr>
+            <p:ph type="body" idx="1"/>
+          </p:nvPr>
+        </p:nvSpPr>
+        <p:spPr>
+          <a:xfrm>
+            <a:off x="311150" y="1536700"/>
+            <a:ext cx="8521700" cy="4554538"/>
+          </a:xfrm>
+        </p:spPr>
+        <p:txBody>
+          <a:bodyPr/>
+          <a:lstStyle/>
+          <a:p>
+            <a:pPr marL="88900" indent="0">
+              <a:lnSpc>
+                <a:spcPct val="150000"/>
+              </a:lnSpc>
+              <a:buNone/>
+            </a:pPr>
+            <a:endParaRPr lang="en-US" sz="2000" b="1" dirty="0"/>
+          </a:p>
+          <a:p>
+            <a:pPr marL="88900" indent="0">
+              <a:lnSpc>
+                <a:spcPct val="150000"/>
+              </a:lnSpc>
+              <a:buNone/>
+            </a:pPr>
+            <a:endParaRPr lang="en-US" sz="2000" b="1" dirty="0"/>
+          </a:p>
+          <a:p>
+            <a:pPr marL="88900" indent="0">
+              <a:lnSpc>
+                <a:spcPct val="150000"/>
+              </a:lnSpc>
+              <a:buNone/>
+            </a:pPr>
+            <a:r>
+              <a:rPr lang="en-US" sz="2000" b="1" dirty="0"/>
+              <a:t>Creating Filters</a:t>
+            </a:r>
+            <a:r>
+              <a:rPr lang="en-US" sz="2000" dirty="0"/>
+              <a:t>: Set up filters to automatically organize incoming emails.</a:t>
+            </a:r>
+          </a:p>
+          <a:p>
+            <a:pPr marL="88900" indent="0">
+              <a:lnSpc>
+                <a:spcPct val="150000"/>
+              </a:lnSpc>
+              <a:buNone/>
+            </a:pPr>
+            <a:r>
+              <a:rPr lang="en-US" sz="2000" b="1" dirty="0"/>
+              <a:t>Blocking Addresses</a:t>
+            </a:r>
+            <a:r>
+              <a:rPr lang="en-US" sz="2000" dirty="0"/>
+              <a:t>: Block email addresses to prevent them from reaching your inbox.</a:t>
+            </a:r>
+          </a:p>
+          <a:p>
+            <a:pPr marL="88900" indent="0">
+              <a:lnSpc>
+                <a:spcPct val="150000"/>
+              </a:lnSpc>
+              <a:buNone/>
+            </a:pPr>
+            <a:r>
+              <a:rPr lang="en-US" sz="2000" b="1" dirty="0"/>
+              <a:t>Importing/Exporting Filters</a:t>
+            </a:r>
+            <a:r>
+              <a:rPr lang="en-US" sz="2000" dirty="0"/>
+              <a:t>: Manage filters by importing or exporting them.</a:t>
+            </a:r>
+            <a:endParaRPr lang="en-US" sz="1600" b="1" dirty="0"/>
+          </a:p>
+        </p:txBody>
+      </p:sp>
+      <p:sp>
+        <p:nvSpPr>
+          <p:cNvPr id="2" name="Slide Number Placeholder 1">
+            <a:extLst>
+              <a:ext uri="{FF2B5EF4-FFF2-40B4-BE49-F238E27FC236}">
+                <a16:creationId xmlns:a16="http://schemas.microsoft.com/office/drawing/2014/main" id="{E5AF1940-A243-4526-83EE-AF8D3FC0AFB8}"/>
+              </a:ext>
+            </a:extLst>
+          </p:cNvPr>
+          <p:cNvSpPr>
+            <a:spLocks noGrp="1"/>
+          </p:cNvSpPr>
+          <p:nvPr>
+            <p:ph type="sldNum" idx="10"/>
+          </p:nvPr>
+        </p:nvSpPr>
+        <p:spPr/>
+        <p:txBody>
+          <a:bodyPr/>
+          <a:lstStyle/>
+          <a:p>
+            <a:pPr>
+              <a:defRPr/>
+            </a:pPr>
+            <a:fld id="{9D2B33C2-A734-4AB5-AC6D-A69A02FE3E9B}" type="slidenum">
+              <a:rPr lang="en-GB" altLang="en-US" sz="1600" smtClean="0">
+                <a:solidFill>
+                  <a:schemeClr val="bg1"/>
+                </a:solidFill>
+                <a:latin typeface="Times New Roman" panose="02020603050405020304" pitchFamily="18" charset="0"/>
+                <a:cs typeface="Times New Roman" panose="02020603050405020304" pitchFamily="18" charset="0"/>
+              </a:rPr>
+              <a:pPr>
+                <a:defRPr/>
+              </a:pPr>
+              <a:t>25</a:t>
+            </a:fld>
+            <a:endParaRPr lang="en-US" altLang="en-US" sz="1600">
+              <a:solidFill>
+                <a:schemeClr val="bg1"/>
+              </a:solidFill>
+              <a:latin typeface="Times New Roman" panose="02020603050405020304" pitchFamily="18" charset="0"/>
+              <a:cs typeface="Times New Roman" panose="02020603050405020304" pitchFamily="18" charset="0"/>
+            </a:endParaRPr>
+          </a:p>
+        </p:txBody>
+      </p:sp>
+    </p:spTree>
+    <p:extLst>
+      <p:ext uri="{BB962C8B-B14F-4D97-AF65-F5344CB8AC3E}">
+        <p14:creationId xmlns:p14="http://schemas.microsoft.com/office/powerpoint/2010/main" val="1460651410"/>
+      </p:ext>
+    </p:extLst>
+  </p:cSld>
+  <p:clrMapOvr>
+    <a:masterClrMapping/>
+  </p:clrMapOvr>
+</p:sld>
+</file>
+
+<file path=ppt/slides/slide26.xml><?xml version="1.0" encoding="utf-8"?>
+<p:sld xmlns:a="http://schemas.openxmlformats.org/drawingml/2006/main" xmlns:r="http://schemas.openxmlformats.org/officeDocument/2006/relationships" xmlns:p="http://schemas.openxmlformats.org/presentationml/2006/main">
+  <p:cSld>
+    <p:spTree>
+      <p:nvGrpSpPr>
+        <p:cNvPr id="1" name=""/>
+        <p:cNvGrpSpPr/>
+        <p:nvPr/>
+      </p:nvGrpSpPr>
+      <p:grpSpPr>
+        <a:xfrm>
+          <a:off x="0" y="0"/>
+          <a:ext cx="0" cy="0"/>
+          <a:chOff x="0" y="0"/>
+          <a:chExt cx="0" cy="0"/>
+        </a:xfrm>
+      </p:grpSpPr>
+      <p:sp>
+        <p:nvSpPr>
+          <p:cNvPr id="43010" name="Title 1">
+            <a:extLst>
+              <a:ext uri="{FF2B5EF4-FFF2-40B4-BE49-F238E27FC236}">
+                <a16:creationId xmlns:a16="http://schemas.microsoft.com/office/drawing/2014/main" id="{71E0879D-7E21-4A23-9A8B-B479DC80AC32}"/>
+              </a:ext>
+            </a:extLst>
+          </p:cNvPr>
+          <p:cNvSpPr txBox="1">
+            <a:spLocks noGrp="1"/>
+          </p:cNvSpPr>
+          <p:nvPr>
+            <p:ph type="title"/>
+          </p:nvPr>
+        </p:nvSpPr>
+        <p:spPr>
+          <a:xfrm>
+            <a:off x="311150" y="593725"/>
+            <a:ext cx="8521700" cy="763588"/>
+          </a:xfrm>
+        </p:spPr>
+        <p:txBody>
+          <a:bodyPr/>
+          <a:lstStyle/>
+          <a:p>
+            <a:pPr algn="ctr" eaLnBrk="1" hangingPunct="1">
+              <a:spcBef>
+                <a:spcPct val="0"/>
+              </a:spcBef>
+              <a:spcAft>
+                <a:spcPct val="0"/>
+              </a:spcAft>
+            </a:pPr>
+            <a:r>
+              <a:rPr lang="en-IN" sz="3200" b="1" dirty="0"/>
+              <a:t>Forwarding and POP/IMAP</a:t>
+            </a:r>
+            <a:endParaRPr lang="en-IN" altLang="en-US" sz="2400" b="1" dirty="0">
+              <a:cs typeface="Archivo Narrow" charset="0"/>
+              <a:sym typeface="Archivo Narrow" charset="0"/>
+            </a:endParaRPr>
+          </a:p>
+        </p:txBody>
+      </p:sp>
+      <p:sp>
+        <p:nvSpPr>
+          <p:cNvPr id="43011" name="Text Placeholder 2">
+            <a:extLst>
+              <a:ext uri="{FF2B5EF4-FFF2-40B4-BE49-F238E27FC236}">
+                <a16:creationId xmlns:a16="http://schemas.microsoft.com/office/drawing/2014/main" id="{3AD6D7C1-B9E5-44A7-B0FF-E89714B35297}"/>
+              </a:ext>
+            </a:extLst>
+          </p:cNvPr>
+          <p:cNvSpPr txBox="1">
+            <a:spLocks noGrp="1"/>
+          </p:cNvSpPr>
+          <p:nvPr>
+            <p:ph type="body" idx="1"/>
+          </p:nvPr>
+        </p:nvSpPr>
+        <p:spPr>
+          <a:xfrm>
+            <a:off x="311150" y="1536700"/>
+            <a:ext cx="8521700" cy="4554538"/>
+          </a:xfrm>
+        </p:spPr>
+        <p:txBody>
+          <a:bodyPr/>
+          <a:lstStyle/>
+          <a:p>
+            <a:pPr marL="88900" indent="0">
+              <a:lnSpc>
+                <a:spcPct val="150000"/>
+              </a:lnSpc>
+              <a:buNone/>
+            </a:pPr>
+            <a:endParaRPr lang="en-US" sz="2000" b="1" dirty="0"/>
+          </a:p>
+          <a:p>
+            <a:pPr marL="88900" indent="0">
+              <a:lnSpc>
+                <a:spcPct val="150000"/>
+              </a:lnSpc>
+              <a:buNone/>
+            </a:pPr>
+            <a:endParaRPr lang="en-US" sz="2000" b="1" dirty="0"/>
+          </a:p>
+          <a:p>
+            <a:pPr marL="88900" indent="0">
+              <a:lnSpc>
+                <a:spcPct val="150000"/>
+              </a:lnSpc>
+              <a:buNone/>
+            </a:pPr>
+            <a:endParaRPr lang="en-US" sz="2000" b="1" dirty="0"/>
+          </a:p>
+          <a:p>
+            <a:pPr marL="88900" indent="0">
+              <a:lnSpc>
+                <a:spcPct val="150000"/>
+              </a:lnSpc>
+              <a:buNone/>
+            </a:pPr>
+            <a:r>
+              <a:rPr lang="en-US" sz="2000" b="1" dirty="0"/>
+              <a:t>Forwarding</a:t>
+            </a:r>
+            <a:r>
+              <a:rPr lang="en-US" sz="2000" dirty="0"/>
+              <a:t>: Set up email forwarding to another address.</a:t>
+            </a:r>
+          </a:p>
+          <a:p>
+            <a:pPr marL="88900" indent="0">
+              <a:lnSpc>
+                <a:spcPct val="150000"/>
+              </a:lnSpc>
+              <a:buNone/>
+            </a:pPr>
+            <a:r>
+              <a:rPr lang="en-US" sz="2000" b="1" dirty="0"/>
+              <a:t>POP/IMAP Access</a:t>
+            </a:r>
+            <a:r>
+              <a:rPr lang="en-US" sz="2000" dirty="0"/>
+              <a:t>: Enable POP or IMAP to access Gmail from other email clients (e.g., Outlook, Thunderbird).</a:t>
+            </a:r>
+            <a:endParaRPr lang="en-US" sz="1600" b="1" dirty="0"/>
+          </a:p>
+        </p:txBody>
+      </p:sp>
+      <p:sp>
+        <p:nvSpPr>
+          <p:cNvPr id="2" name="Slide Number Placeholder 1">
+            <a:extLst>
+              <a:ext uri="{FF2B5EF4-FFF2-40B4-BE49-F238E27FC236}">
+                <a16:creationId xmlns:a16="http://schemas.microsoft.com/office/drawing/2014/main" id="{E5AF1940-A243-4526-83EE-AF8D3FC0AFB8}"/>
+              </a:ext>
+            </a:extLst>
+          </p:cNvPr>
+          <p:cNvSpPr>
+            <a:spLocks noGrp="1"/>
+          </p:cNvSpPr>
+          <p:nvPr>
+            <p:ph type="sldNum" idx="10"/>
+          </p:nvPr>
+        </p:nvSpPr>
+        <p:spPr/>
+        <p:txBody>
+          <a:bodyPr/>
+          <a:lstStyle/>
+          <a:p>
+            <a:pPr>
+              <a:defRPr/>
+            </a:pPr>
+            <a:fld id="{9D2B33C2-A734-4AB5-AC6D-A69A02FE3E9B}" type="slidenum">
+              <a:rPr lang="en-GB" altLang="en-US" sz="1600" smtClean="0">
+                <a:solidFill>
+                  <a:schemeClr val="bg1"/>
+                </a:solidFill>
+                <a:latin typeface="Times New Roman" panose="02020603050405020304" pitchFamily="18" charset="0"/>
+                <a:cs typeface="Times New Roman" panose="02020603050405020304" pitchFamily="18" charset="0"/>
+              </a:rPr>
+              <a:pPr>
+                <a:defRPr/>
+              </a:pPr>
+              <a:t>26</a:t>
+            </a:fld>
+            <a:endParaRPr lang="en-US" altLang="en-US" sz="1600">
+              <a:solidFill>
+                <a:schemeClr val="bg1"/>
+              </a:solidFill>
+              <a:latin typeface="Times New Roman" panose="02020603050405020304" pitchFamily="18" charset="0"/>
+              <a:cs typeface="Times New Roman" panose="02020603050405020304" pitchFamily="18" charset="0"/>
+            </a:endParaRPr>
+          </a:p>
+        </p:txBody>
+      </p:sp>
+    </p:spTree>
+    <p:extLst>
+      <p:ext uri="{BB962C8B-B14F-4D97-AF65-F5344CB8AC3E}">
+        <p14:creationId xmlns:p14="http://schemas.microsoft.com/office/powerpoint/2010/main" val="1006915007"/>
+      </p:ext>
+    </p:extLst>
+  </p:cSld>
+  <p:clrMapOvr>
+    <a:masterClrMapping/>
+  </p:clrMapOvr>
+</p:sld>
+</file>
+
+<file path=ppt/slides/slide27.xml><?xml version="1.0" encoding="utf-8"?>
+<p:sld xmlns:a="http://schemas.openxmlformats.org/drawingml/2006/main" xmlns:r="http://schemas.openxmlformats.org/officeDocument/2006/relationships" xmlns:p="http://schemas.openxmlformats.org/presentationml/2006/main">
+  <p:cSld>
+    <p:spTree>
+      <p:nvGrpSpPr>
+        <p:cNvPr id="1" name=""/>
+        <p:cNvGrpSpPr/>
+        <p:nvPr/>
+      </p:nvGrpSpPr>
+      <p:grpSpPr>
+        <a:xfrm>
+          <a:off x="0" y="0"/>
+          <a:ext cx="0" cy="0"/>
+          <a:chOff x="0" y="0"/>
+          <a:chExt cx="0" cy="0"/>
+        </a:xfrm>
+      </p:grpSpPr>
+      <p:sp>
+        <p:nvSpPr>
+          <p:cNvPr id="43010" name="Title 1">
+            <a:extLst>
+              <a:ext uri="{FF2B5EF4-FFF2-40B4-BE49-F238E27FC236}">
+                <a16:creationId xmlns:a16="http://schemas.microsoft.com/office/drawing/2014/main" id="{71E0879D-7E21-4A23-9A8B-B479DC80AC32}"/>
+              </a:ext>
+            </a:extLst>
+          </p:cNvPr>
+          <p:cNvSpPr txBox="1">
+            <a:spLocks noGrp="1"/>
+          </p:cNvSpPr>
+          <p:nvPr>
+            <p:ph type="title"/>
+          </p:nvPr>
+        </p:nvSpPr>
+        <p:spPr>
+          <a:xfrm>
+            <a:off x="311150" y="593725"/>
+            <a:ext cx="8521700" cy="763588"/>
+          </a:xfrm>
+        </p:spPr>
+        <p:txBody>
+          <a:bodyPr/>
+          <a:lstStyle/>
+          <a:p>
+            <a:pPr algn="ctr" eaLnBrk="1" hangingPunct="1">
+              <a:spcBef>
+                <a:spcPct val="0"/>
+              </a:spcBef>
+              <a:spcAft>
+                <a:spcPct val="0"/>
+              </a:spcAft>
+            </a:pPr>
+            <a:r>
+              <a:rPr lang="en-IN" sz="3200" b="1" dirty="0"/>
+              <a:t>Forwarding and POP/IMAP</a:t>
+            </a:r>
+            <a:endParaRPr lang="en-IN" altLang="en-US" sz="2400" b="1" dirty="0">
+              <a:cs typeface="Archivo Narrow" charset="0"/>
+              <a:sym typeface="Archivo Narrow" charset="0"/>
+            </a:endParaRPr>
+          </a:p>
+        </p:txBody>
+      </p:sp>
+      <p:sp>
+        <p:nvSpPr>
+          <p:cNvPr id="43011" name="Text Placeholder 2">
+            <a:extLst>
+              <a:ext uri="{FF2B5EF4-FFF2-40B4-BE49-F238E27FC236}">
+                <a16:creationId xmlns:a16="http://schemas.microsoft.com/office/drawing/2014/main" id="{3AD6D7C1-B9E5-44A7-B0FF-E89714B35297}"/>
+              </a:ext>
+            </a:extLst>
+          </p:cNvPr>
+          <p:cNvSpPr txBox="1">
+            <a:spLocks noGrp="1"/>
+          </p:cNvSpPr>
+          <p:nvPr>
+            <p:ph type="body" idx="1"/>
+          </p:nvPr>
+        </p:nvSpPr>
+        <p:spPr>
+          <a:xfrm>
+            <a:off x="311150" y="1536700"/>
+            <a:ext cx="8521700" cy="4554538"/>
+          </a:xfrm>
+        </p:spPr>
+        <p:txBody>
+          <a:bodyPr/>
+          <a:lstStyle/>
+          <a:p>
+            <a:pPr marL="88900" indent="0">
+              <a:lnSpc>
+                <a:spcPct val="150000"/>
+              </a:lnSpc>
+              <a:buNone/>
+            </a:pPr>
+            <a:endParaRPr lang="en-US" sz="2000" b="1" dirty="0"/>
+          </a:p>
+          <a:p>
+            <a:pPr marL="88900" indent="0">
+              <a:lnSpc>
+                <a:spcPct val="150000"/>
+              </a:lnSpc>
+              <a:buNone/>
+            </a:pPr>
+            <a:endParaRPr lang="en-US" sz="2000" b="1" dirty="0"/>
+          </a:p>
+          <a:p>
+            <a:pPr marL="88900" indent="0">
+              <a:lnSpc>
+                <a:spcPct val="150000"/>
+              </a:lnSpc>
+              <a:buNone/>
+            </a:pPr>
+            <a:r>
+              <a:rPr lang="en-US" sz="2000" b="1" dirty="0"/>
+              <a:t>Forwarding</a:t>
+            </a:r>
+            <a:r>
+              <a:rPr lang="en-US" sz="2000" dirty="0"/>
+              <a:t>: Set up email forwarding to another address.</a:t>
+            </a:r>
+          </a:p>
+          <a:p>
+            <a:pPr marL="88900" indent="0">
+              <a:lnSpc>
+                <a:spcPct val="150000"/>
+              </a:lnSpc>
+              <a:buNone/>
+            </a:pPr>
+            <a:r>
+              <a:rPr lang="en-US" sz="2000" b="1" dirty="0"/>
+              <a:t>POP/IMAP Access</a:t>
+            </a:r>
+            <a:r>
+              <a:rPr lang="en-US" sz="2000" dirty="0"/>
+              <a:t>: Enable POP or IMAP to access Gmail from other email clients (e.g., Outlook, Thunderbird).</a:t>
+            </a:r>
+            <a:endParaRPr lang="en-US" sz="1600" b="1" dirty="0"/>
+          </a:p>
+        </p:txBody>
+      </p:sp>
+      <p:sp>
+        <p:nvSpPr>
+          <p:cNvPr id="2" name="Slide Number Placeholder 1">
+            <a:extLst>
+              <a:ext uri="{FF2B5EF4-FFF2-40B4-BE49-F238E27FC236}">
+                <a16:creationId xmlns:a16="http://schemas.microsoft.com/office/drawing/2014/main" id="{E5AF1940-A243-4526-83EE-AF8D3FC0AFB8}"/>
+              </a:ext>
+            </a:extLst>
+          </p:cNvPr>
+          <p:cNvSpPr>
+            <a:spLocks noGrp="1"/>
+          </p:cNvSpPr>
+          <p:nvPr>
+            <p:ph type="sldNum" idx="10"/>
+          </p:nvPr>
+        </p:nvSpPr>
+        <p:spPr/>
+        <p:txBody>
+          <a:bodyPr/>
+          <a:lstStyle/>
+          <a:p>
+            <a:pPr>
+              <a:defRPr/>
+            </a:pPr>
+            <a:fld id="{9D2B33C2-A734-4AB5-AC6D-A69A02FE3E9B}" type="slidenum">
+              <a:rPr lang="en-GB" altLang="en-US" sz="1600" smtClean="0">
+                <a:solidFill>
+                  <a:schemeClr val="bg1"/>
+                </a:solidFill>
+                <a:latin typeface="Times New Roman" panose="02020603050405020304" pitchFamily="18" charset="0"/>
+                <a:cs typeface="Times New Roman" panose="02020603050405020304" pitchFamily="18" charset="0"/>
+              </a:rPr>
+              <a:pPr>
+                <a:defRPr/>
+              </a:pPr>
+              <a:t>27</a:t>
+            </a:fld>
+            <a:endParaRPr lang="en-US" altLang="en-US" sz="1600">
+              <a:solidFill>
+                <a:schemeClr val="bg1"/>
+              </a:solidFill>
+              <a:latin typeface="Times New Roman" panose="02020603050405020304" pitchFamily="18" charset="0"/>
+              <a:cs typeface="Times New Roman" panose="02020603050405020304" pitchFamily="18" charset="0"/>
+            </a:endParaRPr>
+          </a:p>
+        </p:txBody>
+      </p:sp>
+    </p:spTree>
+    <p:extLst>
+      <p:ext uri="{BB962C8B-B14F-4D97-AF65-F5344CB8AC3E}">
+        <p14:creationId xmlns:p14="http://schemas.microsoft.com/office/powerpoint/2010/main" val="1732568180"/>
+      </p:ext>
+    </p:extLst>
+  </p:cSld>
+  <p:clrMapOvr>
+    <a:masterClrMapping/>
+  </p:clrMapOvr>
+</p:sld>
+</file>
+
+<file path=ppt/slides/slide28.xml><?xml version="1.0" encoding="utf-8"?>
+<p:sld xmlns:a="http://schemas.openxmlformats.org/drawingml/2006/main" xmlns:r="http://schemas.openxmlformats.org/officeDocument/2006/relationships" xmlns:p="http://schemas.openxmlformats.org/presentationml/2006/main">
+  <p:cSld>
+    <p:spTree>
+      <p:nvGrpSpPr>
+        <p:cNvPr id="1" name=""/>
+        <p:cNvGrpSpPr/>
+        <p:nvPr/>
+      </p:nvGrpSpPr>
+      <p:grpSpPr>
+        <a:xfrm>
+          <a:off x="0" y="0"/>
+          <a:ext cx="0" cy="0"/>
+          <a:chOff x="0" y="0"/>
+          <a:chExt cx="0" cy="0"/>
+        </a:xfrm>
+      </p:grpSpPr>
+      <p:sp>
+        <p:nvSpPr>
+          <p:cNvPr id="43010" name="Title 1">
+            <a:extLst>
+              <a:ext uri="{FF2B5EF4-FFF2-40B4-BE49-F238E27FC236}">
+                <a16:creationId xmlns:a16="http://schemas.microsoft.com/office/drawing/2014/main" id="{71E0879D-7E21-4A23-9A8B-B479DC80AC32}"/>
+              </a:ext>
+            </a:extLst>
+          </p:cNvPr>
+          <p:cNvSpPr txBox="1">
+            <a:spLocks noGrp="1"/>
+          </p:cNvSpPr>
+          <p:nvPr>
+            <p:ph type="title"/>
+          </p:nvPr>
+        </p:nvSpPr>
+        <p:spPr>
+          <a:xfrm>
+            <a:off x="311150" y="593725"/>
+            <a:ext cx="8521700" cy="763588"/>
+          </a:xfrm>
+        </p:spPr>
+        <p:txBody>
+          <a:bodyPr/>
+          <a:lstStyle/>
+          <a:p>
+            <a:pPr algn="ctr" eaLnBrk="1" hangingPunct="1">
+              <a:spcBef>
+                <a:spcPct val="0"/>
+              </a:spcBef>
+              <a:spcAft>
+                <a:spcPct val="0"/>
+              </a:spcAft>
+            </a:pPr>
+            <a:r>
+              <a:rPr lang="en-IN" sz="3200" b="1" dirty="0"/>
+              <a:t>Chat and Meet</a:t>
+            </a:r>
+            <a:endParaRPr lang="en-IN" altLang="en-US" sz="2400" b="1" dirty="0">
+              <a:cs typeface="Archivo Narrow" charset="0"/>
+              <a:sym typeface="Archivo Narrow" charset="0"/>
+            </a:endParaRPr>
+          </a:p>
+        </p:txBody>
+      </p:sp>
+      <p:sp>
+        <p:nvSpPr>
+          <p:cNvPr id="43011" name="Text Placeholder 2">
+            <a:extLst>
+              <a:ext uri="{FF2B5EF4-FFF2-40B4-BE49-F238E27FC236}">
+                <a16:creationId xmlns:a16="http://schemas.microsoft.com/office/drawing/2014/main" id="{3AD6D7C1-B9E5-44A7-B0FF-E89714B35297}"/>
+              </a:ext>
+            </a:extLst>
+          </p:cNvPr>
+          <p:cNvSpPr txBox="1">
+            <a:spLocks noGrp="1"/>
+          </p:cNvSpPr>
+          <p:nvPr>
+            <p:ph type="body" idx="1"/>
+          </p:nvPr>
+        </p:nvSpPr>
+        <p:spPr>
+          <a:xfrm>
+            <a:off x="311150" y="1536700"/>
+            <a:ext cx="8521700" cy="4554538"/>
+          </a:xfrm>
+        </p:spPr>
+        <p:txBody>
+          <a:bodyPr/>
+          <a:lstStyle/>
+          <a:p>
+            <a:pPr marL="88900" indent="0">
+              <a:lnSpc>
+                <a:spcPct val="150000"/>
+              </a:lnSpc>
+              <a:buNone/>
+            </a:pPr>
+            <a:endParaRPr lang="en-US" sz="2000" b="1" dirty="0"/>
+          </a:p>
+          <a:p>
+            <a:pPr marL="88900" indent="0">
+              <a:lnSpc>
+                <a:spcPct val="150000"/>
+              </a:lnSpc>
+              <a:buNone/>
+            </a:pPr>
+            <a:endParaRPr lang="en-US" sz="2000" b="1" dirty="0"/>
+          </a:p>
+          <a:p>
+            <a:pPr marL="88900" indent="0">
+              <a:lnSpc>
+                <a:spcPct val="150000"/>
+              </a:lnSpc>
+              <a:buNone/>
+            </a:pPr>
+            <a:r>
+              <a:rPr lang="en-US" sz="2000" b="1" dirty="0"/>
+              <a:t>Google Chat</a:t>
+            </a:r>
+            <a:r>
+              <a:rPr lang="en-US" sz="2000" dirty="0"/>
+              <a:t>: Enable or disable Google Chat in Gmail.</a:t>
+            </a:r>
+          </a:p>
+          <a:p>
+            <a:pPr marL="88900" indent="0">
+              <a:lnSpc>
+                <a:spcPct val="150000"/>
+              </a:lnSpc>
+              <a:buNone/>
+            </a:pPr>
+            <a:r>
+              <a:rPr lang="en-US" sz="2000" b="1" dirty="0"/>
+              <a:t>Google Meet</a:t>
+            </a:r>
+            <a:r>
+              <a:rPr lang="en-US" sz="2000" dirty="0"/>
+              <a:t>: Enable or disable the Google Meet section in Gmail.</a:t>
+            </a:r>
+            <a:endParaRPr lang="en-US" sz="1600" b="1" dirty="0"/>
+          </a:p>
+        </p:txBody>
+      </p:sp>
+      <p:sp>
+        <p:nvSpPr>
+          <p:cNvPr id="2" name="Slide Number Placeholder 1">
+            <a:extLst>
+              <a:ext uri="{FF2B5EF4-FFF2-40B4-BE49-F238E27FC236}">
+                <a16:creationId xmlns:a16="http://schemas.microsoft.com/office/drawing/2014/main" id="{E5AF1940-A243-4526-83EE-AF8D3FC0AFB8}"/>
+              </a:ext>
+            </a:extLst>
+          </p:cNvPr>
+          <p:cNvSpPr>
+            <a:spLocks noGrp="1"/>
+          </p:cNvSpPr>
+          <p:nvPr>
+            <p:ph type="sldNum" idx="10"/>
+          </p:nvPr>
+        </p:nvSpPr>
+        <p:spPr/>
+        <p:txBody>
+          <a:bodyPr/>
+          <a:lstStyle/>
+          <a:p>
+            <a:pPr>
+              <a:defRPr/>
+            </a:pPr>
+            <a:fld id="{9D2B33C2-A734-4AB5-AC6D-A69A02FE3E9B}" type="slidenum">
+              <a:rPr lang="en-GB" altLang="en-US" sz="1600" smtClean="0">
+                <a:solidFill>
+                  <a:schemeClr val="bg1"/>
+                </a:solidFill>
+                <a:latin typeface="Times New Roman" panose="02020603050405020304" pitchFamily="18" charset="0"/>
+                <a:cs typeface="Times New Roman" panose="02020603050405020304" pitchFamily="18" charset="0"/>
+              </a:rPr>
+              <a:pPr>
+                <a:defRPr/>
+              </a:pPr>
+              <a:t>28</a:t>
+            </a:fld>
+            <a:endParaRPr lang="en-US" altLang="en-US" sz="1600">
+              <a:solidFill>
+                <a:schemeClr val="bg1"/>
+              </a:solidFill>
+              <a:latin typeface="Times New Roman" panose="02020603050405020304" pitchFamily="18" charset="0"/>
+              <a:cs typeface="Times New Roman" panose="02020603050405020304" pitchFamily="18" charset="0"/>
+            </a:endParaRPr>
+          </a:p>
+        </p:txBody>
+      </p:sp>
+    </p:spTree>
+    <p:extLst>
+      <p:ext uri="{BB962C8B-B14F-4D97-AF65-F5344CB8AC3E}">
+        <p14:creationId xmlns:p14="http://schemas.microsoft.com/office/powerpoint/2010/main" val="1459819835"/>
+      </p:ext>
+    </p:extLst>
+  </p:cSld>
+  <p:clrMapOvr>
+    <a:masterClrMapping/>
+  </p:clrMapOvr>
+</p:sld>
+</file>
+
+<file path=ppt/slides/slide29.xml><?xml version="1.0" encoding="utf-8"?>
+<p:sld xmlns:a="http://schemas.openxmlformats.org/drawingml/2006/main" xmlns:r="http://schemas.openxmlformats.org/officeDocument/2006/relationships" xmlns:p="http://schemas.openxmlformats.org/presentationml/2006/main">
+  <p:cSld>
+    <p:spTree>
+      <p:nvGrpSpPr>
+        <p:cNvPr id="1" name=""/>
+        <p:cNvGrpSpPr/>
+        <p:nvPr/>
+      </p:nvGrpSpPr>
+      <p:grpSpPr>
+        <a:xfrm>
+          <a:off x="0" y="0"/>
+          <a:ext cx="0" cy="0"/>
+          <a:chOff x="0" y="0"/>
+          <a:chExt cx="0" cy="0"/>
+        </a:xfrm>
+      </p:grpSpPr>
+      <p:sp>
+        <p:nvSpPr>
+          <p:cNvPr id="43010" name="Title 1">
+            <a:extLst>
+              <a:ext uri="{FF2B5EF4-FFF2-40B4-BE49-F238E27FC236}">
+                <a16:creationId xmlns:a16="http://schemas.microsoft.com/office/drawing/2014/main" id="{71E0879D-7E21-4A23-9A8B-B479DC80AC32}"/>
+              </a:ext>
+            </a:extLst>
+          </p:cNvPr>
+          <p:cNvSpPr txBox="1">
+            <a:spLocks noGrp="1"/>
+          </p:cNvSpPr>
+          <p:nvPr>
+            <p:ph type="title"/>
+          </p:nvPr>
+        </p:nvSpPr>
+        <p:spPr>
+          <a:xfrm>
+            <a:off x="311150" y="593725"/>
+            <a:ext cx="8521700" cy="763588"/>
+          </a:xfrm>
+        </p:spPr>
+        <p:txBody>
+          <a:bodyPr/>
+          <a:lstStyle/>
+          <a:p>
+            <a:pPr algn="ctr" eaLnBrk="1" hangingPunct="1">
+              <a:spcBef>
+                <a:spcPct val="0"/>
+              </a:spcBef>
+              <a:spcAft>
+                <a:spcPct val="0"/>
+              </a:spcAft>
+            </a:pPr>
+            <a:r>
+              <a:rPr lang="en-IN" sz="3200" b="1" dirty="0"/>
+              <a:t>Advanced Settings</a:t>
+            </a:r>
+            <a:endParaRPr lang="en-IN" altLang="en-US" sz="2400" b="1" dirty="0">
+              <a:cs typeface="Archivo Narrow" charset="0"/>
+              <a:sym typeface="Archivo Narrow" charset="0"/>
+            </a:endParaRPr>
+          </a:p>
+        </p:txBody>
+      </p:sp>
+      <p:sp>
+        <p:nvSpPr>
+          <p:cNvPr id="43011" name="Text Placeholder 2">
+            <a:extLst>
+              <a:ext uri="{FF2B5EF4-FFF2-40B4-BE49-F238E27FC236}">
+                <a16:creationId xmlns:a16="http://schemas.microsoft.com/office/drawing/2014/main" id="{3AD6D7C1-B9E5-44A7-B0FF-E89714B35297}"/>
+              </a:ext>
+            </a:extLst>
+          </p:cNvPr>
+          <p:cNvSpPr txBox="1">
+            <a:spLocks noGrp="1"/>
+          </p:cNvSpPr>
+          <p:nvPr>
+            <p:ph type="body" idx="1"/>
+          </p:nvPr>
+        </p:nvSpPr>
+        <p:spPr>
+          <a:xfrm>
+            <a:off x="311150" y="1536700"/>
+            <a:ext cx="8521700" cy="4554538"/>
+          </a:xfrm>
+        </p:spPr>
+        <p:txBody>
+          <a:bodyPr/>
+          <a:lstStyle/>
+          <a:p>
+            <a:pPr marL="88900" indent="0">
+              <a:lnSpc>
+                <a:spcPct val="150000"/>
+              </a:lnSpc>
+              <a:buNone/>
+            </a:pPr>
+            <a:r>
+              <a:rPr lang="en-US" sz="2000" b="1" dirty="0"/>
+              <a:t>Introduction to Advanced Settings</a:t>
+            </a:r>
+          </a:p>
+          <a:p>
+            <a:pPr marL="88900" indent="0">
+              <a:lnSpc>
+                <a:spcPct val="150000"/>
+              </a:lnSpc>
+              <a:buNone/>
+            </a:pPr>
+            <a:r>
+              <a:rPr lang="en-US" sz="2000" dirty="0"/>
+              <a:t>Enhance your Gmail experience with features designed for improved productivity and customization.</a:t>
+            </a:r>
+          </a:p>
+          <a:p>
+            <a:pPr marL="88900" indent="0">
+              <a:lnSpc>
+                <a:spcPct val="150000"/>
+              </a:lnSpc>
+              <a:buNone/>
+            </a:pPr>
+            <a:endParaRPr lang="en-US" sz="2000" dirty="0"/>
+          </a:p>
+          <a:p>
+            <a:pPr marL="88900" indent="0">
+              <a:lnSpc>
+                <a:spcPct val="150000"/>
+              </a:lnSpc>
+              <a:buNone/>
+            </a:pPr>
+            <a:r>
+              <a:rPr lang="en-US" sz="2000" b="1" dirty="0"/>
+              <a:t>Custom Keyboard Shortcuts</a:t>
+            </a:r>
+          </a:p>
+          <a:p>
+            <a:pPr marL="88900" indent="0">
+              <a:lnSpc>
+                <a:spcPct val="150000"/>
+              </a:lnSpc>
+              <a:buNone/>
+            </a:pPr>
+            <a:r>
+              <a:rPr lang="en-US" sz="2000" dirty="0"/>
+              <a:t>Enable and define your own shortcuts for quicker navigation and actions.</a:t>
+            </a:r>
+          </a:p>
+          <a:p>
+            <a:pPr marL="88900" indent="0">
+              <a:lnSpc>
+                <a:spcPct val="150000"/>
+              </a:lnSpc>
+              <a:buNone/>
+            </a:pPr>
+            <a:endParaRPr lang="en-US" sz="2000" dirty="0"/>
+          </a:p>
+          <a:p>
+            <a:pPr marL="88900" indent="0">
+              <a:lnSpc>
+                <a:spcPct val="150000"/>
+              </a:lnSpc>
+              <a:buNone/>
+            </a:pPr>
+            <a:r>
+              <a:rPr lang="en-US" sz="2000" b="1" dirty="0"/>
+              <a:t>Auto-Advance</a:t>
+            </a:r>
+          </a:p>
+          <a:p>
+            <a:pPr marL="88900" indent="0">
+              <a:lnSpc>
+                <a:spcPct val="150000"/>
+              </a:lnSpc>
+              <a:buNone/>
+            </a:pPr>
+            <a:r>
+              <a:rPr lang="en-US" sz="2000" dirty="0"/>
+              <a:t>Automatically move to the next conversation after deleting, archiving, or muting a message.</a:t>
+            </a:r>
+          </a:p>
+        </p:txBody>
+      </p:sp>
+      <p:sp>
+        <p:nvSpPr>
+          <p:cNvPr id="2" name="Slide Number Placeholder 1">
+            <a:extLst>
+              <a:ext uri="{FF2B5EF4-FFF2-40B4-BE49-F238E27FC236}">
+                <a16:creationId xmlns:a16="http://schemas.microsoft.com/office/drawing/2014/main" id="{E5AF1940-A243-4526-83EE-AF8D3FC0AFB8}"/>
+              </a:ext>
+            </a:extLst>
+          </p:cNvPr>
+          <p:cNvSpPr>
+            <a:spLocks noGrp="1"/>
+          </p:cNvSpPr>
+          <p:nvPr>
+            <p:ph type="sldNum" idx="10"/>
+          </p:nvPr>
+        </p:nvSpPr>
+        <p:spPr/>
+        <p:txBody>
+          <a:bodyPr/>
+          <a:lstStyle/>
+          <a:p>
+            <a:pPr>
+              <a:defRPr/>
+            </a:pPr>
+            <a:fld id="{9D2B33C2-A734-4AB5-AC6D-A69A02FE3E9B}" type="slidenum">
+              <a:rPr lang="en-GB" altLang="en-US" sz="1600" smtClean="0">
+                <a:solidFill>
+                  <a:schemeClr val="bg1"/>
+                </a:solidFill>
+                <a:latin typeface="Times New Roman" panose="02020603050405020304" pitchFamily="18" charset="0"/>
+                <a:cs typeface="Times New Roman" panose="02020603050405020304" pitchFamily="18" charset="0"/>
+              </a:rPr>
+              <a:pPr>
+                <a:defRPr/>
+              </a:pPr>
+              <a:t>29</a:t>
+            </a:fld>
+            <a:endParaRPr lang="en-US" altLang="en-US" sz="1600">
+              <a:solidFill>
+                <a:schemeClr val="bg1"/>
+              </a:solidFill>
+              <a:latin typeface="Times New Roman" panose="02020603050405020304" pitchFamily="18" charset="0"/>
+              <a:cs typeface="Times New Roman" panose="02020603050405020304" pitchFamily="18" charset="0"/>
+            </a:endParaRPr>
+          </a:p>
+        </p:txBody>
+      </p:sp>
+    </p:spTree>
+    <p:extLst>
+      <p:ext uri="{BB962C8B-B14F-4D97-AF65-F5344CB8AC3E}">
+        <p14:creationId xmlns:p14="http://schemas.microsoft.com/office/powerpoint/2010/main" val="1524808589"/>
+      </p:ext>
+    </p:extLst>
   </p:cSld>
   <p:clrMapOvr>
     <a:masterClrMapping/>
@@ -14559,24 +16948,11 @@
               <a:buAutoNum type="arabicPeriod"/>
             </a:pPr>
             <a:r>
-              <a:rPr lang="en-IN" sz="3200" b="0" i="0" dirty="0" err="1">
-                <a:solidFill>
-                  <a:srgbClr val="202124"/>
-                </a:solidFill>
-                <a:effectLst/>
-                <a:highlight>
-                  <a:srgbClr val="FFFFFF"/>
-                </a:highlight>
-                <a:latin typeface="Google Sans"/>
-              </a:rPr>
-              <a:t>khdjcto</a:t>
-            </a:r>
-            <a:r>
               <a:rPr lang="en-US" altLang="en-US" sz="2400" dirty="0">
                 <a:cs typeface="Archivo Narrow" charset="0"/>
                 <a:sym typeface="Archivo Narrow" charset="0"/>
               </a:rPr>
-              <a:t> </a:t>
+              <a:t>kfm6vvi</a:t>
             </a:r>
           </a:p>
           <a:p>
@@ -14648,6 +17024,1299 @@
         </p:txBody>
       </p:sp>
     </p:spTree>
+  </p:cSld>
+  <p:clrMapOvr>
+    <a:masterClrMapping/>
+  </p:clrMapOvr>
+</p:sld>
+</file>
+
+<file path=ppt/slides/slide30.xml><?xml version="1.0" encoding="utf-8"?>
+<p:sld xmlns:a="http://schemas.openxmlformats.org/drawingml/2006/main" xmlns:r="http://schemas.openxmlformats.org/officeDocument/2006/relationships" xmlns:p="http://schemas.openxmlformats.org/presentationml/2006/main">
+  <p:cSld>
+    <p:spTree>
+      <p:nvGrpSpPr>
+        <p:cNvPr id="1" name=""/>
+        <p:cNvGrpSpPr/>
+        <p:nvPr/>
+      </p:nvGrpSpPr>
+      <p:grpSpPr>
+        <a:xfrm>
+          <a:off x="0" y="0"/>
+          <a:ext cx="0" cy="0"/>
+          <a:chOff x="0" y="0"/>
+          <a:chExt cx="0" cy="0"/>
+        </a:xfrm>
+      </p:grpSpPr>
+      <p:sp>
+        <p:nvSpPr>
+          <p:cNvPr id="43010" name="Title 1">
+            <a:extLst>
+              <a:ext uri="{FF2B5EF4-FFF2-40B4-BE49-F238E27FC236}">
+                <a16:creationId xmlns:a16="http://schemas.microsoft.com/office/drawing/2014/main" id="{71E0879D-7E21-4A23-9A8B-B479DC80AC32}"/>
+              </a:ext>
+            </a:extLst>
+          </p:cNvPr>
+          <p:cNvSpPr txBox="1">
+            <a:spLocks noGrp="1"/>
+          </p:cNvSpPr>
+          <p:nvPr>
+            <p:ph type="title"/>
+          </p:nvPr>
+        </p:nvSpPr>
+        <p:spPr>
+          <a:xfrm>
+            <a:off x="311150" y="593725"/>
+            <a:ext cx="8521700" cy="763588"/>
+          </a:xfrm>
+        </p:spPr>
+        <p:txBody>
+          <a:bodyPr/>
+          <a:lstStyle/>
+          <a:p>
+            <a:pPr algn="ctr" eaLnBrk="1" hangingPunct="1">
+              <a:spcBef>
+                <a:spcPct val="0"/>
+              </a:spcBef>
+              <a:spcAft>
+                <a:spcPct val="0"/>
+              </a:spcAft>
+            </a:pPr>
+            <a:r>
+              <a:rPr lang="en-IN" sz="3200" b="1" dirty="0"/>
+              <a:t>Advanced Settings</a:t>
+            </a:r>
+            <a:endParaRPr lang="en-IN" altLang="en-US" sz="2400" b="1" dirty="0">
+              <a:cs typeface="Archivo Narrow" charset="0"/>
+              <a:sym typeface="Archivo Narrow" charset="0"/>
+            </a:endParaRPr>
+          </a:p>
+        </p:txBody>
+      </p:sp>
+      <p:sp>
+        <p:nvSpPr>
+          <p:cNvPr id="43011" name="Text Placeholder 2">
+            <a:extLst>
+              <a:ext uri="{FF2B5EF4-FFF2-40B4-BE49-F238E27FC236}">
+                <a16:creationId xmlns:a16="http://schemas.microsoft.com/office/drawing/2014/main" id="{3AD6D7C1-B9E5-44A7-B0FF-E89714B35297}"/>
+              </a:ext>
+            </a:extLst>
+          </p:cNvPr>
+          <p:cNvSpPr txBox="1">
+            <a:spLocks noGrp="1"/>
+          </p:cNvSpPr>
+          <p:nvPr>
+            <p:ph type="body" idx="1"/>
+          </p:nvPr>
+        </p:nvSpPr>
+        <p:spPr>
+          <a:xfrm>
+            <a:off x="311150" y="1536700"/>
+            <a:ext cx="8521700" cy="4554538"/>
+          </a:xfrm>
+        </p:spPr>
+        <p:txBody>
+          <a:bodyPr/>
+          <a:lstStyle/>
+          <a:p>
+            <a:pPr marL="88900" indent="0">
+              <a:lnSpc>
+                <a:spcPct val="150000"/>
+              </a:lnSpc>
+              <a:buNone/>
+            </a:pPr>
+            <a:r>
+              <a:rPr lang="en-US" sz="2000" dirty="0"/>
+              <a:t>Customize to advance to next/previous conversation or thread list.</a:t>
+            </a:r>
+          </a:p>
+          <a:p>
+            <a:pPr marL="88900" indent="0">
+              <a:lnSpc>
+                <a:spcPct val="150000"/>
+              </a:lnSpc>
+              <a:buNone/>
+            </a:pPr>
+            <a:endParaRPr lang="en-US" sz="2000" dirty="0"/>
+          </a:p>
+          <a:p>
+            <a:pPr marL="88900" indent="0">
+              <a:lnSpc>
+                <a:spcPct val="150000"/>
+              </a:lnSpc>
+              <a:buNone/>
+            </a:pPr>
+            <a:r>
+              <a:rPr lang="en-US" sz="2000" b="1" dirty="0"/>
+              <a:t>Templates (Canned Responses)</a:t>
+            </a:r>
+          </a:p>
+          <a:p>
+            <a:pPr marL="88900" indent="0">
+              <a:lnSpc>
+                <a:spcPct val="150000"/>
+              </a:lnSpc>
+              <a:buNone/>
+            </a:pPr>
+            <a:r>
+              <a:rPr lang="en-US" sz="2000" dirty="0"/>
+              <a:t>Use pre-written responses to save time on repetitive emails.</a:t>
+            </a:r>
+          </a:p>
+          <a:p>
+            <a:pPr marL="88900" indent="0">
+              <a:lnSpc>
+                <a:spcPct val="150000"/>
+              </a:lnSpc>
+              <a:buNone/>
+            </a:pPr>
+            <a:r>
+              <a:rPr lang="en-US" sz="2000" dirty="0"/>
+              <a:t>Steps to create, insert, and manage templates.</a:t>
+            </a:r>
+          </a:p>
+          <a:p>
+            <a:pPr marL="88900" indent="0">
+              <a:lnSpc>
+                <a:spcPct val="150000"/>
+              </a:lnSpc>
+              <a:buNone/>
+            </a:pPr>
+            <a:endParaRPr lang="en-US" sz="2000" dirty="0"/>
+          </a:p>
+          <a:p>
+            <a:pPr marL="88900" indent="0">
+              <a:lnSpc>
+                <a:spcPct val="150000"/>
+              </a:lnSpc>
+              <a:buNone/>
+            </a:pPr>
+            <a:r>
+              <a:rPr lang="en-US" sz="2000" b="1" dirty="0"/>
+              <a:t>Multiple Inboxes</a:t>
+            </a:r>
+          </a:p>
+          <a:p>
+            <a:pPr marL="88900" indent="0">
+              <a:lnSpc>
+                <a:spcPct val="150000"/>
+              </a:lnSpc>
+              <a:buNone/>
+            </a:pPr>
+            <a:r>
+              <a:rPr lang="en-US" sz="2000" dirty="0"/>
+              <a:t>Organize your inbox into sections for different types of emails.</a:t>
+            </a:r>
+          </a:p>
+          <a:p>
+            <a:pPr marL="88900" indent="0">
+              <a:lnSpc>
+                <a:spcPct val="150000"/>
+              </a:lnSpc>
+              <a:buNone/>
+            </a:pPr>
+            <a:r>
+              <a:rPr lang="en-US" sz="2000" dirty="0"/>
+              <a:t>Customize layout and criteria for each section.</a:t>
+            </a:r>
+          </a:p>
+          <a:p>
+            <a:pPr marL="88900" indent="0">
+              <a:lnSpc>
+                <a:spcPct val="150000"/>
+              </a:lnSpc>
+              <a:buNone/>
+            </a:pPr>
+            <a:endParaRPr lang="en-US" sz="2000" dirty="0"/>
+          </a:p>
+          <a:p>
+            <a:pPr marL="88900" indent="0">
+              <a:lnSpc>
+                <a:spcPct val="150000"/>
+              </a:lnSpc>
+              <a:buNone/>
+            </a:pPr>
+            <a:endParaRPr lang="en-US" sz="2000" dirty="0"/>
+          </a:p>
+        </p:txBody>
+      </p:sp>
+      <p:sp>
+        <p:nvSpPr>
+          <p:cNvPr id="2" name="Slide Number Placeholder 1">
+            <a:extLst>
+              <a:ext uri="{FF2B5EF4-FFF2-40B4-BE49-F238E27FC236}">
+                <a16:creationId xmlns:a16="http://schemas.microsoft.com/office/drawing/2014/main" id="{E5AF1940-A243-4526-83EE-AF8D3FC0AFB8}"/>
+              </a:ext>
+            </a:extLst>
+          </p:cNvPr>
+          <p:cNvSpPr>
+            <a:spLocks noGrp="1"/>
+          </p:cNvSpPr>
+          <p:nvPr>
+            <p:ph type="sldNum" idx="10"/>
+          </p:nvPr>
+        </p:nvSpPr>
+        <p:spPr/>
+        <p:txBody>
+          <a:bodyPr/>
+          <a:lstStyle/>
+          <a:p>
+            <a:pPr>
+              <a:defRPr/>
+            </a:pPr>
+            <a:fld id="{9D2B33C2-A734-4AB5-AC6D-A69A02FE3E9B}" type="slidenum">
+              <a:rPr lang="en-GB" altLang="en-US" sz="1600" smtClean="0">
+                <a:solidFill>
+                  <a:schemeClr val="bg1"/>
+                </a:solidFill>
+                <a:latin typeface="Times New Roman" panose="02020603050405020304" pitchFamily="18" charset="0"/>
+                <a:cs typeface="Times New Roman" panose="02020603050405020304" pitchFamily="18" charset="0"/>
+              </a:rPr>
+              <a:pPr>
+                <a:defRPr/>
+              </a:pPr>
+              <a:t>30</a:t>
+            </a:fld>
+            <a:endParaRPr lang="en-US" altLang="en-US" sz="1600">
+              <a:solidFill>
+                <a:schemeClr val="bg1"/>
+              </a:solidFill>
+              <a:latin typeface="Times New Roman" panose="02020603050405020304" pitchFamily="18" charset="0"/>
+              <a:cs typeface="Times New Roman" panose="02020603050405020304" pitchFamily="18" charset="0"/>
+            </a:endParaRPr>
+          </a:p>
+        </p:txBody>
+      </p:sp>
+    </p:spTree>
+    <p:extLst>
+      <p:ext uri="{BB962C8B-B14F-4D97-AF65-F5344CB8AC3E}">
+        <p14:creationId xmlns:p14="http://schemas.microsoft.com/office/powerpoint/2010/main" val="1252580040"/>
+      </p:ext>
+    </p:extLst>
+  </p:cSld>
+  <p:clrMapOvr>
+    <a:masterClrMapping/>
+  </p:clrMapOvr>
+</p:sld>
+</file>
+
+<file path=ppt/slides/slide31.xml><?xml version="1.0" encoding="utf-8"?>
+<p:sld xmlns:a="http://schemas.openxmlformats.org/drawingml/2006/main" xmlns:r="http://schemas.openxmlformats.org/officeDocument/2006/relationships" xmlns:p="http://schemas.openxmlformats.org/presentationml/2006/main">
+  <p:cSld>
+    <p:spTree>
+      <p:nvGrpSpPr>
+        <p:cNvPr id="1" name=""/>
+        <p:cNvGrpSpPr/>
+        <p:nvPr/>
+      </p:nvGrpSpPr>
+      <p:grpSpPr>
+        <a:xfrm>
+          <a:off x="0" y="0"/>
+          <a:ext cx="0" cy="0"/>
+          <a:chOff x="0" y="0"/>
+          <a:chExt cx="0" cy="0"/>
+        </a:xfrm>
+      </p:grpSpPr>
+      <p:sp>
+        <p:nvSpPr>
+          <p:cNvPr id="43010" name="Title 1">
+            <a:extLst>
+              <a:ext uri="{FF2B5EF4-FFF2-40B4-BE49-F238E27FC236}">
+                <a16:creationId xmlns:a16="http://schemas.microsoft.com/office/drawing/2014/main" id="{71E0879D-7E21-4A23-9A8B-B479DC80AC32}"/>
+              </a:ext>
+            </a:extLst>
+          </p:cNvPr>
+          <p:cNvSpPr txBox="1">
+            <a:spLocks noGrp="1"/>
+          </p:cNvSpPr>
+          <p:nvPr>
+            <p:ph type="title"/>
+          </p:nvPr>
+        </p:nvSpPr>
+        <p:spPr>
+          <a:xfrm>
+            <a:off x="311150" y="593725"/>
+            <a:ext cx="8521700" cy="763588"/>
+          </a:xfrm>
+        </p:spPr>
+        <p:txBody>
+          <a:bodyPr/>
+          <a:lstStyle/>
+          <a:p>
+            <a:pPr algn="ctr" eaLnBrk="1" hangingPunct="1">
+              <a:spcBef>
+                <a:spcPct val="0"/>
+              </a:spcBef>
+              <a:spcAft>
+                <a:spcPct val="0"/>
+              </a:spcAft>
+            </a:pPr>
+            <a:r>
+              <a:rPr lang="en-IN" sz="3200" b="1" dirty="0"/>
+              <a:t>Advanced Settings</a:t>
+            </a:r>
+            <a:endParaRPr lang="en-IN" altLang="en-US" sz="2400" b="1" dirty="0">
+              <a:cs typeface="Archivo Narrow" charset="0"/>
+              <a:sym typeface="Archivo Narrow" charset="0"/>
+            </a:endParaRPr>
+          </a:p>
+        </p:txBody>
+      </p:sp>
+      <p:sp>
+        <p:nvSpPr>
+          <p:cNvPr id="43011" name="Text Placeholder 2">
+            <a:extLst>
+              <a:ext uri="{FF2B5EF4-FFF2-40B4-BE49-F238E27FC236}">
+                <a16:creationId xmlns:a16="http://schemas.microsoft.com/office/drawing/2014/main" id="{3AD6D7C1-B9E5-44A7-B0FF-E89714B35297}"/>
+              </a:ext>
+            </a:extLst>
+          </p:cNvPr>
+          <p:cNvSpPr txBox="1">
+            <a:spLocks noGrp="1"/>
+          </p:cNvSpPr>
+          <p:nvPr>
+            <p:ph type="body" idx="1"/>
+          </p:nvPr>
+        </p:nvSpPr>
+        <p:spPr>
+          <a:xfrm>
+            <a:off x="311150" y="1536700"/>
+            <a:ext cx="8521700" cy="4554538"/>
+          </a:xfrm>
+        </p:spPr>
+        <p:txBody>
+          <a:bodyPr/>
+          <a:lstStyle/>
+          <a:p>
+            <a:pPr marL="88900" indent="0">
+              <a:lnSpc>
+                <a:spcPct val="150000"/>
+              </a:lnSpc>
+              <a:buNone/>
+            </a:pPr>
+            <a:r>
+              <a:rPr lang="en-US" sz="2000" b="1" dirty="0"/>
+              <a:t>Preview Pane</a:t>
+            </a:r>
+          </a:p>
+          <a:p>
+            <a:pPr marL="88900" indent="0">
+              <a:lnSpc>
+                <a:spcPct val="150000"/>
+              </a:lnSpc>
+              <a:buNone/>
+            </a:pPr>
+            <a:r>
+              <a:rPr lang="en-US" sz="2000" dirty="0"/>
+              <a:t>Split your inbox to view and reply to emails without leaving the inbox view.</a:t>
+            </a:r>
+          </a:p>
+          <a:p>
+            <a:pPr marL="88900" indent="0">
+              <a:lnSpc>
+                <a:spcPct val="150000"/>
+              </a:lnSpc>
+              <a:buNone/>
+            </a:pPr>
+            <a:r>
+              <a:rPr lang="en-US" sz="2000" dirty="0"/>
+              <a:t>Choose between vertical or horizontal split.</a:t>
+            </a:r>
+          </a:p>
+          <a:p>
+            <a:pPr marL="88900" indent="0">
+              <a:lnSpc>
+                <a:spcPct val="150000"/>
+              </a:lnSpc>
+              <a:buNone/>
+            </a:pPr>
+            <a:endParaRPr lang="en-US" sz="2000" dirty="0"/>
+          </a:p>
+          <a:p>
+            <a:pPr marL="88900" indent="0">
+              <a:lnSpc>
+                <a:spcPct val="150000"/>
+              </a:lnSpc>
+              <a:buNone/>
+            </a:pPr>
+            <a:r>
+              <a:rPr lang="en-US" sz="2000" b="1" dirty="0"/>
+              <a:t>Unread Message Icon</a:t>
+            </a:r>
+          </a:p>
+          <a:p>
+            <a:pPr marL="88900" indent="0">
+              <a:lnSpc>
+                <a:spcPct val="150000"/>
+              </a:lnSpc>
+              <a:buNone/>
+            </a:pPr>
+            <a:r>
+              <a:rPr lang="en-US" sz="2000" dirty="0"/>
+              <a:t>Display the number of unread emails directly in the browser tab icon.</a:t>
+            </a:r>
+          </a:p>
+          <a:p>
+            <a:pPr marL="88900" indent="0">
+              <a:lnSpc>
+                <a:spcPct val="150000"/>
+              </a:lnSpc>
+              <a:buNone/>
+            </a:pPr>
+            <a:endParaRPr lang="en-US" sz="2000" dirty="0"/>
+          </a:p>
+          <a:p>
+            <a:pPr marL="88900" indent="0">
+              <a:lnSpc>
+                <a:spcPct val="150000"/>
+              </a:lnSpc>
+              <a:buNone/>
+            </a:pPr>
+            <a:r>
+              <a:rPr lang="en-US" sz="2000" b="1" dirty="0"/>
+              <a:t>Advanced Search</a:t>
+            </a:r>
+          </a:p>
+          <a:p>
+            <a:pPr marL="88900" indent="0">
+              <a:lnSpc>
+                <a:spcPct val="150000"/>
+              </a:lnSpc>
+              <a:buNone/>
+            </a:pPr>
+            <a:r>
+              <a:rPr lang="en-US" sz="2000" dirty="0"/>
+              <a:t>Use advanced search operators to find specific emails quickly.</a:t>
+            </a:r>
+          </a:p>
+          <a:p>
+            <a:pPr marL="88900" indent="0">
+              <a:lnSpc>
+                <a:spcPct val="150000"/>
+              </a:lnSpc>
+              <a:buNone/>
+            </a:pPr>
+            <a:r>
+              <a:rPr lang="en-US" sz="2000" dirty="0"/>
+              <a:t>Save frequently used searches for easy access.</a:t>
+            </a:r>
+          </a:p>
+          <a:p>
+            <a:pPr marL="88900" indent="0">
+              <a:lnSpc>
+                <a:spcPct val="150000"/>
+              </a:lnSpc>
+              <a:buNone/>
+            </a:pPr>
+            <a:endParaRPr lang="en-US" sz="2000" dirty="0"/>
+          </a:p>
+          <a:p>
+            <a:pPr marL="88900" indent="0">
+              <a:lnSpc>
+                <a:spcPct val="150000"/>
+              </a:lnSpc>
+              <a:buNone/>
+            </a:pPr>
+            <a:r>
+              <a:rPr lang="en-US" sz="2000" dirty="0"/>
+              <a:t>Customizable Send and Archive Button</a:t>
+            </a:r>
+          </a:p>
+          <a:p>
+            <a:pPr marL="88900" indent="0">
+              <a:lnSpc>
+                <a:spcPct val="150000"/>
+              </a:lnSpc>
+              <a:buNone/>
+            </a:pPr>
+            <a:r>
+              <a:rPr lang="en-US" sz="2000" dirty="0"/>
+              <a:t>Send a reply and archive the conversation in one click.</a:t>
+            </a:r>
+          </a:p>
+          <a:p>
+            <a:pPr marL="88900" indent="0">
+              <a:lnSpc>
+                <a:spcPct val="150000"/>
+              </a:lnSpc>
+              <a:buNone/>
+            </a:pPr>
+            <a:r>
+              <a:rPr lang="en-US" sz="2000" dirty="0"/>
+              <a:t>Choose where to place the button on the compose window.</a:t>
+            </a:r>
+          </a:p>
+          <a:p>
+            <a:pPr marL="88900" indent="0">
+              <a:lnSpc>
+                <a:spcPct val="150000"/>
+              </a:lnSpc>
+              <a:buNone/>
+            </a:pPr>
+            <a:endParaRPr lang="en-US" sz="2000" dirty="0"/>
+          </a:p>
+          <a:p>
+            <a:pPr marL="88900" indent="0">
+              <a:lnSpc>
+                <a:spcPct val="150000"/>
+              </a:lnSpc>
+              <a:buNone/>
+            </a:pPr>
+            <a:r>
+              <a:rPr lang="en-US" sz="2000" dirty="0"/>
+              <a:t>Visuals and Graphics:</a:t>
+            </a:r>
+          </a:p>
+          <a:p>
+            <a:pPr marL="88900" indent="0">
+              <a:lnSpc>
+                <a:spcPct val="150000"/>
+              </a:lnSpc>
+              <a:buNone/>
+            </a:pPr>
+            <a:r>
+              <a:rPr lang="en-US" sz="2000" dirty="0"/>
+              <a:t>Include small icons or screenshots representing each feature.</a:t>
+            </a:r>
+          </a:p>
+          <a:p>
+            <a:pPr marL="88900" indent="0">
+              <a:lnSpc>
+                <a:spcPct val="150000"/>
+              </a:lnSpc>
+              <a:buNone/>
+            </a:pPr>
+            <a:endParaRPr lang="en-US" sz="2000" dirty="0"/>
+          </a:p>
+          <a:p>
+            <a:pPr marL="88900" indent="0">
+              <a:lnSpc>
+                <a:spcPct val="150000"/>
+              </a:lnSpc>
+              <a:buNone/>
+            </a:pPr>
+            <a:endParaRPr lang="en-US" sz="2000" dirty="0"/>
+          </a:p>
+        </p:txBody>
+      </p:sp>
+      <p:sp>
+        <p:nvSpPr>
+          <p:cNvPr id="2" name="Slide Number Placeholder 1">
+            <a:extLst>
+              <a:ext uri="{FF2B5EF4-FFF2-40B4-BE49-F238E27FC236}">
+                <a16:creationId xmlns:a16="http://schemas.microsoft.com/office/drawing/2014/main" id="{E5AF1940-A243-4526-83EE-AF8D3FC0AFB8}"/>
+              </a:ext>
+            </a:extLst>
+          </p:cNvPr>
+          <p:cNvSpPr>
+            <a:spLocks noGrp="1"/>
+          </p:cNvSpPr>
+          <p:nvPr>
+            <p:ph type="sldNum" idx="10"/>
+          </p:nvPr>
+        </p:nvSpPr>
+        <p:spPr/>
+        <p:txBody>
+          <a:bodyPr/>
+          <a:lstStyle/>
+          <a:p>
+            <a:pPr>
+              <a:defRPr/>
+            </a:pPr>
+            <a:fld id="{9D2B33C2-A734-4AB5-AC6D-A69A02FE3E9B}" type="slidenum">
+              <a:rPr lang="en-GB" altLang="en-US" sz="1600" smtClean="0">
+                <a:solidFill>
+                  <a:schemeClr val="bg1"/>
+                </a:solidFill>
+                <a:latin typeface="Times New Roman" panose="02020603050405020304" pitchFamily="18" charset="0"/>
+                <a:cs typeface="Times New Roman" panose="02020603050405020304" pitchFamily="18" charset="0"/>
+              </a:rPr>
+              <a:pPr>
+                <a:defRPr/>
+              </a:pPr>
+              <a:t>31</a:t>
+            </a:fld>
+            <a:endParaRPr lang="en-US" altLang="en-US" sz="1600">
+              <a:solidFill>
+                <a:schemeClr val="bg1"/>
+              </a:solidFill>
+              <a:latin typeface="Times New Roman" panose="02020603050405020304" pitchFamily="18" charset="0"/>
+              <a:cs typeface="Times New Roman" panose="02020603050405020304" pitchFamily="18" charset="0"/>
+            </a:endParaRPr>
+          </a:p>
+        </p:txBody>
+      </p:sp>
+    </p:spTree>
+    <p:extLst>
+      <p:ext uri="{BB962C8B-B14F-4D97-AF65-F5344CB8AC3E}">
+        <p14:creationId xmlns:p14="http://schemas.microsoft.com/office/powerpoint/2010/main" val="3819580990"/>
+      </p:ext>
+    </p:extLst>
+  </p:cSld>
+  <p:clrMapOvr>
+    <a:masterClrMapping/>
+  </p:clrMapOvr>
+</p:sld>
+</file>
+
+<file path=ppt/slides/slide32.xml><?xml version="1.0" encoding="utf-8"?>
+<p:sld xmlns:a="http://schemas.openxmlformats.org/drawingml/2006/main" xmlns:r="http://schemas.openxmlformats.org/officeDocument/2006/relationships" xmlns:p="http://schemas.openxmlformats.org/presentationml/2006/main">
+  <p:cSld>
+    <p:spTree>
+      <p:nvGrpSpPr>
+        <p:cNvPr id="1" name=""/>
+        <p:cNvGrpSpPr/>
+        <p:nvPr/>
+      </p:nvGrpSpPr>
+      <p:grpSpPr>
+        <a:xfrm>
+          <a:off x="0" y="0"/>
+          <a:ext cx="0" cy="0"/>
+          <a:chOff x="0" y="0"/>
+          <a:chExt cx="0" cy="0"/>
+        </a:xfrm>
+      </p:grpSpPr>
+      <p:sp>
+        <p:nvSpPr>
+          <p:cNvPr id="43010" name="Title 1">
+            <a:extLst>
+              <a:ext uri="{FF2B5EF4-FFF2-40B4-BE49-F238E27FC236}">
+                <a16:creationId xmlns:a16="http://schemas.microsoft.com/office/drawing/2014/main" id="{71E0879D-7E21-4A23-9A8B-B479DC80AC32}"/>
+              </a:ext>
+            </a:extLst>
+          </p:cNvPr>
+          <p:cNvSpPr txBox="1">
+            <a:spLocks noGrp="1"/>
+          </p:cNvSpPr>
+          <p:nvPr>
+            <p:ph type="title"/>
+          </p:nvPr>
+        </p:nvSpPr>
+        <p:spPr>
+          <a:xfrm>
+            <a:off x="311150" y="593725"/>
+            <a:ext cx="8521700" cy="763588"/>
+          </a:xfrm>
+        </p:spPr>
+        <p:txBody>
+          <a:bodyPr/>
+          <a:lstStyle/>
+          <a:p>
+            <a:pPr algn="ctr" eaLnBrk="1" hangingPunct="1">
+              <a:spcBef>
+                <a:spcPct val="0"/>
+              </a:spcBef>
+              <a:spcAft>
+                <a:spcPct val="0"/>
+              </a:spcAft>
+            </a:pPr>
+            <a:r>
+              <a:rPr lang="en-IN" sz="3200" b="1" dirty="0"/>
+              <a:t>Advanced Settings</a:t>
+            </a:r>
+            <a:endParaRPr lang="en-IN" altLang="en-US" sz="2400" b="1" dirty="0">
+              <a:cs typeface="Archivo Narrow" charset="0"/>
+              <a:sym typeface="Archivo Narrow" charset="0"/>
+            </a:endParaRPr>
+          </a:p>
+        </p:txBody>
+      </p:sp>
+      <p:sp>
+        <p:nvSpPr>
+          <p:cNvPr id="43011" name="Text Placeholder 2">
+            <a:extLst>
+              <a:ext uri="{FF2B5EF4-FFF2-40B4-BE49-F238E27FC236}">
+                <a16:creationId xmlns:a16="http://schemas.microsoft.com/office/drawing/2014/main" id="{3AD6D7C1-B9E5-44A7-B0FF-E89714B35297}"/>
+              </a:ext>
+            </a:extLst>
+          </p:cNvPr>
+          <p:cNvSpPr txBox="1">
+            <a:spLocks noGrp="1"/>
+          </p:cNvSpPr>
+          <p:nvPr>
+            <p:ph type="body" idx="1"/>
+          </p:nvPr>
+        </p:nvSpPr>
+        <p:spPr>
+          <a:xfrm>
+            <a:off x="311150" y="1536700"/>
+            <a:ext cx="8521700" cy="4554538"/>
+          </a:xfrm>
+        </p:spPr>
+        <p:txBody>
+          <a:bodyPr/>
+          <a:lstStyle/>
+          <a:p>
+            <a:pPr marL="88900" indent="0">
+              <a:lnSpc>
+                <a:spcPct val="150000"/>
+              </a:lnSpc>
+              <a:buNone/>
+            </a:pPr>
+            <a:r>
+              <a:rPr lang="en-US" sz="2000" b="1" dirty="0"/>
+              <a:t>Preview Pane</a:t>
+            </a:r>
+          </a:p>
+          <a:p>
+            <a:pPr marL="88900" indent="0">
+              <a:lnSpc>
+                <a:spcPct val="150000"/>
+              </a:lnSpc>
+              <a:buNone/>
+            </a:pPr>
+            <a:r>
+              <a:rPr lang="en-US" sz="2000" dirty="0"/>
+              <a:t>Split your inbox to view and reply to emails without leaving the inbox view.</a:t>
+            </a:r>
+          </a:p>
+          <a:p>
+            <a:pPr marL="88900" indent="0">
+              <a:lnSpc>
+                <a:spcPct val="150000"/>
+              </a:lnSpc>
+              <a:buNone/>
+            </a:pPr>
+            <a:r>
+              <a:rPr lang="en-US" sz="2000" dirty="0"/>
+              <a:t>Choose between vertical or horizontal split.</a:t>
+            </a:r>
+          </a:p>
+          <a:p>
+            <a:pPr marL="88900" indent="0">
+              <a:lnSpc>
+                <a:spcPct val="150000"/>
+              </a:lnSpc>
+              <a:buNone/>
+            </a:pPr>
+            <a:endParaRPr lang="en-US" sz="2000" dirty="0"/>
+          </a:p>
+          <a:p>
+            <a:pPr marL="88900" indent="0">
+              <a:lnSpc>
+                <a:spcPct val="150000"/>
+              </a:lnSpc>
+              <a:buNone/>
+            </a:pPr>
+            <a:r>
+              <a:rPr lang="en-US" sz="2000" b="1" dirty="0"/>
+              <a:t>Unread Message Icon</a:t>
+            </a:r>
+          </a:p>
+          <a:p>
+            <a:pPr marL="88900" indent="0">
+              <a:lnSpc>
+                <a:spcPct val="150000"/>
+              </a:lnSpc>
+              <a:buNone/>
+            </a:pPr>
+            <a:r>
+              <a:rPr lang="en-US" sz="2000" dirty="0"/>
+              <a:t>Display the number of unread emails directly in the browser tab icon.</a:t>
+            </a:r>
+          </a:p>
+          <a:p>
+            <a:pPr marL="88900" indent="0">
+              <a:lnSpc>
+                <a:spcPct val="150000"/>
+              </a:lnSpc>
+              <a:buNone/>
+            </a:pPr>
+            <a:endParaRPr lang="en-US" sz="2000" dirty="0"/>
+          </a:p>
+          <a:p>
+            <a:pPr marL="88900" indent="0">
+              <a:lnSpc>
+                <a:spcPct val="150000"/>
+              </a:lnSpc>
+              <a:buNone/>
+            </a:pPr>
+            <a:r>
+              <a:rPr lang="en-US" sz="2000" b="1" dirty="0"/>
+              <a:t>Advanced Search</a:t>
+            </a:r>
+          </a:p>
+          <a:p>
+            <a:pPr marL="88900" indent="0">
+              <a:lnSpc>
+                <a:spcPct val="150000"/>
+              </a:lnSpc>
+              <a:buNone/>
+            </a:pPr>
+            <a:r>
+              <a:rPr lang="en-US" sz="2000" dirty="0"/>
+              <a:t>Use advanced search operators to find specific emails quickly.</a:t>
+            </a:r>
+          </a:p>
+          <a:p>
+            <a:pPr marL="88900" indent="0">
+              <a:lnSpc>
+                <a:spcPct val="150000"/>
+              </a:lnSpc>
+              <a:buNone/>
+            </a:pPr>
+            <a:r>
+              <a:rPr lang="en-US" sz="2000" dirty="0"/>
+              <a:t>Save frequently used searches for easy access.</a:t>
+            </a:r>
+          </a:p>
+          <a:p>
+            <a:pPr marL="88900" indent="0">
+              <a:lnSpc>
+                <a:spcPct val="150000"/>
+              </a:lnSpc>
+              <a:buNone/>
+            </a:pPr>
+            <a:endParaRPr lang="en-US" sz="2000" dirty="0"/>
+          </a:p>
+          <a:p>
+            <a:pPr marL="88900" indent="0">
+              <a:lnSpc>
+                <a:spcPct val="150000"/>
+              </a:lnSpc>
+              <a:buNone/>
+            </a:pPr>
+            <a:endParaRPr lang="en-US" sz="2000" dirty="0"/>
+          </a:p>
+        </p:txBody>
+      </p:sp>
+      <p:sp>
+        <p:nvSpPr>
+          <p:cNvPr id="2" name="Slide Number Placeholder 1">
+            <a:extLst>
+              <a:ext uri="{FF2B5EF4-FFF2-40B4-BE49-F238E27FC236}">
+                <a16:creationId xmlns:a16="http://schemas.microsoft.com/office/drawing/2014/main" id="{E5AF1940-A243-4526-83EE-AF8D3FC0AFB8}"/>
+              </a:ext>
+            </a:extLst>
+          </p:cNvPr>
+          <p:cNvSpPr>
+            <a:spLocks noGrp="1"/>
+          </p:cNvSpPr>
+          <p:nvPr>
+            <p:ph type="sldNum" idx="10"/>
+          </p:nvPr>
+        </p:nvSpPr>
+        <p:spPr/>
+        <p:txBody>
+          <a:bodyPr/>
+          <a:lstStyle/>
+          <a:p>
+            <a:pPr>
+              <a:defRPr/>
+            </a:pPr>
+            <a:fld id="{9D2B33C2-A734-4AB5-AC6D-A69A02FE3E9B}" type="slidenum">
+              <a:rPr lang="en-GB" altLang="en-US" sz="1600" smtClean="0">
+                <a:solidFill>
+                  <a:schemeClr val="bg1"/>
+                </a:solidFill>
+                <a:latin typeface="Times New Roman" panose="02020603050405020304" pitchFamily="18" charset="0"/>
+                <a:cs typeface="Times New Roman" panose="02020603050405020304" pitchFamily="18" charset="0"/>
+              </a:rPr>
+              <a:pPr>
+                <a:defRPr/>
+              </a:pPr>
+              <a:t>32</a:t>
+            </a:fld>
+            <a:endParaRPr lang="en-US" altLang="en-US" sz="1600">
+              <a:solidFill>
+                <a:schemeClr val="bg1"/>
+              </a:solidFill>
+              <a:latin typeface="Times New Roman" panose="02020603050405020304" pitchFamily="18" charset="0"/>
+              <a:cs typeface="Times New Roman" panose="02020603050405020304" pitchFamily="18" charset="0"/>
+            </a:endParaRPr>
+          </a:p>
+        </p:txBody>
+      </p:sp>
+    </p:spTree>
+    <p:extLst>
+      <p:ext uri="{BB962C8B-B14F-4D97-AF65-F5344CB8AC3E}">
+        <p14:creationId xmlns:p14="http://schemas.microsoft.com/office/powerpoint/2010/main" val="92588102"/>
+      </p:ext>
+    </p:extLst>
+  </p:cSld>
+  <p:clrMapOvr>
+    <a:masterClrMapping/>
+  </p:clrMapOvr>
+</p:sld>
+</file>
+
+<file path=ppt/slides/slide33.xml><?xml version="1.0" encoding="utf-8"?>
+<p:sld xmlns:a="http://schemas.openxmlformats.org/drawingml/2006/main" xmlns:r="http://schemas.openxmlformats.org/officeDocument/2006/relationships" xmlns:p="http://schemas.openxmlformats.org/presentationml/2006/main">
+  <p:cSld>
+    <p:spTree>
+      <p:nvGrpSpPr>
+        <p:cNvPr id="1" name=""/>
+        <p:cNvGrpSpPr/>
+        <p:nvPr/>
+      </p:nvGrpSpPr>
+      <p:grpSpPr>
+        <a:xfrm>
+          <a:off x="0" y="0"/>
+          <a:ext cx="0" cy="0"/>
+          <a:chOff x="0" y="0"/>
+          <a:chExt cx="0" cy="0"/>
+        </a:xfrm>
+      </p:grpSpPr>
+      <p:sp>
+        <p:nvSpPr>
+          <p:cNvPr id="43010" name="Title 1">
+            <a:extLst>
+              <a:ext uri="{FF2B5EF4-FFF2-40B4-BE49-F238E27FC236}">
+                <a16:creationId xmlns:a16="http://schemas.microsoft.com/office/drawing/2014/main" id="{71E0879D-7E21-4A23-9A8B-B479DC80AC32}"/>
+              </a:ext>
+            </a:extLst>
+          </p:cNvPr>
+          <p:cNvSpPr txBox="1">
+            <a:spLocks noGrp="1"/>
+          </p:cNvSpPr>
+          <p:nvPr>
+            <p:ph type="title"/>
+          </p:nvPr>
+        </p:nvSpPr>
+        <p:spPr>
+          <a:xfrm>
+            <a:off x="311150" y="593725"/>
+            <a:ext cx="8521700" cy="763588"/>
+          </a:xfrm>
+        </p:spPr>
+        <p:txBody>
+          <a:bodyPr/>
+          <a:lstStyle/>
+          <a:p>
+            <a:pPr algn="ctr" eaLnBrk="1" hangingPunct="1">
+              <a:spcBef>
+                <a:spcPct val="0"/>
+              </a:spcBef>
+              <a:spcAft>
+                <a:spcPct val="0"/>
+              </a:spcAft>
+            </a:pPr>
+            <a:r>
+              <a:rPr lang="en-IN" sz="3200" b="1" dirty="0"/>
+              <a:t>Advanced Settings</a:t>
+            </a:r>
+            <a:endParaRPr lang="en-IN" altLang="en-US" sz="2400" b="1" dirty="0">
+              <a:cs typeface="Archivo Narrow" charset="0"/>
+              <a:sym typeface="Archivo Narrow" charset="0"/>
+            </a:endParaRPr>
+          </a:p>
+        </p:txBody>
+      </p:sp>
+      <p:sp>
+        <p:nvSpPr>
+          <p:cNvPr id="43011" name="Text Placeholder 2">
+            <a:extLst>
+              <a:ext uri="{FF2B5EF4-FFF2-40B4-BE49-F238E27FC236}">
+                <a16:creationId xmlns:a16="http://schemas.microsoft.com/office/drawing/2014/main" id="{3AD6D7C1-B9E5-44A7-B0FF-E89714B35297}"/>
+              </a:ext>
+            </a:extLst>
+          </p:cNvPr>
+          <p:cNvSpPr txBox="1">
+            <a:spLocks noGrp="1"/>
+          </p:cNvSpPr>
+          <p:nvPr>
+            <p:ph type="body" idx="1"/>
+          </p:nvPr>
+        </p:nvSpPr>
+        <p:spPr>
+          <a:xfrm>
+            <a:off x="311150" y="1536700"/>
+            <a:ext cx="8521700" cy="4554538"/>
+          </a:xfrm>
+        </p:spPr>
+        <p:txBody>
+          <a:bodyPr/>
+          <a:lstStyle/>
+          <a:p>
+            <a:pPr marL="88900" indent="0">
+              <a:lnSpc>
+                <a:spcPct val="150000"/>
+              </a:lnSpc>
+              <a:buNone/>
+            </a:pPr>
+            <a:endParaRPr lang="en-US" sz="2000" dirty="0"/>
+          </a:p>
+          <a:p>
+            <a:pPr marL="88900" indent="0">
+              <a:lnSpc>
+                <a:spcPct val="150000"/>
+              </a:lnSpc>
+              <a:buNone/>
+            </a:pPr>
+            <a:endParaRPr lang="en-US" sz="2000" b="1" dirty="0"/>
+          </a:p>
+          <a:p>
+            <a:pPr marL="88900" indent="0">
+              <a:lnSpc>
+                <a:spcPct val="150000"/>
+              </a:lnSpc>
+              <a:buNone/>
+            </a:pPr>
+            <a:endParaRPr lang="en-US" sz="2000" b="1" dirty="0"/>
+          </a:p>
+          <a:p>
+            <a:pPr marL="88900" indent="0">
+              <a:lnSpc>
+                <a:spcPct val="150000"/>
+              </a:lnSpc>
+              <a:buNone/>
+            </a:pPr>
+            <a:r>
+              <a:rPr lang="en-US" sz="2000" b="1" dirty="0"/>
+              <a:t>Customizable Send and Archive Button</a:t>
+            </a:r>
+          </a:p>
+          <a:p>
+            <a:pPr marL="88900" indent="0">
+              <a:lnSpc>
+                <a:spcPct val="150000"/>
+              </a:lnSpc>
+              <a:buNone/>
+            </a:pPr>
+            <a:r>
+              <a:rPr lang="en-US" sz="2000" dirty="0"/>
+              <a:t>Send a reply and archive the conversation in one click.</a:t>
+            </a:r>
+          </a:p>
+          <a:p>
+            <a:pPr marL="88900" indent="0">
+              <a:lnSpc>
+                <a:spcPct val="150000"/>
+              </a:lnSpc>
+              <a:buNone/>
+            </a:pPr>
+            <a:r>
+              <a:rPr lang="en-US" sz="2000" dirty="0"/>
+              <a:t>Choose where to place the button on the compose window.</a:t>
+            </a:r>
+          </a:p>
+          <a:p>
+            <a:pPr marL="88900" indent="0">
+              <a:lnSpc>
+                <a:spcPct val="150000"/>
+              </a:lnSpc>
+              <a:buNone/>
+            </a:pPr>
+            <a:endParaRPr lang="en-US" sz="2000" dirty="0"/>
+          </a:p>
+          <a:p>
+            <a:pPr marL="88900" indent="0">
+              <a:lnSpc>
+                <a:spcPct val="150000"/>
+              </a:lnSpc>
+              <a:buNone/>
+            </a:pPr>
+            <a:endParaRPr lang="en-US" sz="2000" dirty="0"/>
+          </a:p>
+        </p:txBody>
+      </p:sp>
+      <p:sp>
+        <p:nvSpPr>
+          <p:cNvPr id="2" name="Slide Number Placeholder 1">
+            <a:extLst>
+              <a:ext uri="{FF2B5EF4-FFF2-40B4-BE49-F238E27FC236}">
+                <a16:creationId xmlns:a16="http://schemas.microsoft.com/office/drawing/2014/main" id="{E5AF1940-A243-4526-83EE-AF8D3FC0AFB8}"/>
+              </a:ext>
+            </a:extLst>
+          </p:cNvPr>
+          <p:cNvSpPr>
+            <a:spLocks noGrp="1"/>
+          </p:cNvSpPr>
+          <p:nvPr>
+            <p:ph type="sldNum" idx="10"/>
+          </p:nvPr>
+        </p:nvSpPr>
+        <p:spPr/>
+        <p:txBody>
+          <a:bodyPr/>
+          <a:lstStyle/>
+          <a:p>
+            <a:pPr>
+              <a:defRPr/>
+            </a:pPr>
+            <a:fld id="{9D2B33C2-A734-4AB5-AC6D-A69A02FE3E9B}" type="slidenum">
+              <a:rPr lang="en-GB" altLang="en-US" sz="1600" smtClean="0">
+                <a:solidFill>
+                  <a:schemeClr val="bg1"/>
+                </a:solidFill>
+                <a:latin typeface="Times New Roman" panose="02020603050405020304" pitchFamily="18" charset="0"/>
+                <a:cs typeface="Times New Roman" panose="02020603050405020304" pitchFamily="18" charset="0"/>
+              </a:rPr>
+              <a:pPr>
+                <a:defRPr/>
+              </a:pPr>
+              <a:t>33</a:t>
+            </a:fld>
+            <a:endParaRPr lang="en-US" altLang="en-US" sz="1600">
+              <a:solidFill>
+                <a:schemeClr val="bg1"/>
+              </a:solidFill>
+              <a:latin typeface="Times New Roman" panose="02020603050405020304" pitchFamily="18" charset="0"/>
+              <a:cs typeface="Times New Roman" panose="02020603050405020304" pitchFamily="18" charset="0"/>
+            </a:endParaRPr>
+          </a:p>
+        </p:txBody>
+      </p:sp>
+    </p:spTree>
+    <p:extLst>
+      <p:ext uri="{BB962C8B-B14F-4D97-AF65-F5344CB8AC3E}">
+        <p14:creationId xmlns:p14="http://schemas.microsoft.com/office/powerpoint/2010/main" val="599200438"/>
+      </p:ext>
+    </p:extLst>
+  </p:cSld>
+  <p:clrMapOvr>
+    <a:masterClrMapping/>
+  </p:clrMapOvr>
+</p:sld>
+</file>
+
+<file path=ppt/slides/slide34.xml><?xml version="1.0" encoding="utf-8"?>
+<p:sld xmlns:a="http://schemas.openxmlformats.org/drawingml/2006/main" xmlns:r="http://schemas.openxmlformats.org/officeDocument/2006/relationships" xmlns:p="http://schemas.openxmlformats.org/presentationml/2006/main">
+  <p:cSld>
+    <p:spTree>
+      <p:nvGrpSpPr>
+        <p:cNvPr id="1" name=""/>
+        <p:cNvGrpSpPr/>
+        <p:nvPr/>
+      </p:nvGrpSpPr>
+      <p:grpSpPr>
+        <a:xfrm>
+          <a:off x="0" y="0"/>
+          <a:ext cx="0" cy="0"/>
+          <a:chOff x="0" y="0"/>
+          <a:chExt cx="0" cy="0"/>
+        </a:xfrm>
+      </p:grpSpPr>
+      <p:sp>
+        <p:nvSpPr>
+          <p:cNvPr id="43010" name="Title 1">
+            <a:extLst>
+              <a:ext uri="{FF2B5EF4-FFF2-40B4-BE49-F238E27FC236}">
+                <a16:creationId xmlns:a16="http://schemas.microsoft.com/office/drawing/2014/main" id="{71E0879D-7E21-4A23-9A8B-B479DC80AC32}"/>
+              </a:ext>
+            </a:extLst>
+          </p:cNvPr>
+          <p:cNvSpPr txBox="1">
+            <a:spLocks noGrp="1"/>
+          </p:cNvSpPr>
+          <p:nvPr>
+            <p:ph type="title"/>
+          </p:nvPr>
+        </p:nvSpPr>
+        <p:spPr>
+          <a:xfrm>
+            <a:off x="311150" y="593725"/>
+            <a:ext cx="8521700" cy="763588"/>
+          </a:xfrm>
+        </p:spPr>
+        <p:txBody>
+          <a:bodyPr/>
+          <a:lstStyle/>
+          <a:p>
+            <a:pPr algn="ctr" eaLnBrk="1" hangingPunct="1">
+              <a:spcBef>
+                <a:spcPct val="0"/>
+              </a:spcBef>
+              <a:spcAft>
+                <a:spcPct val="0"/>
+              </a:spcAft>
+            </a:pPr>
+            <a:endParaRPr lang="en-IN" altLang="en-US" sz="2400" b="1" dirty="0">
+              <a:cs typeface="Archivo Narrow" charset="0"/>
+              <a:sym typeface="Archivo Narrow" charset="0"/>
+            </a:endParaRPr>
+          </a:p>
+        </p:txBody>
+      </p:sp>
+      <p:sp>
+        <p:nvSpPr>
+          <p:cNvPr id="43011" name="Text Placeholder 2">
+            <a:extLst>
+              <a:ext uri="{FF2B5EF4-FFF2-40B4-BE49-F238E27FC236}">
+                <a16:creationId xmlns:a16="http://schemas.microsoft.com/office/drawing/2014/main" id="{3AD6D7C1-B9E5-44A7-B0FF-E89714B35297}"/>
+              </a:ext>
+            </a:extLst>
+          </p:cNvPr>
+          <p:cNvSpPr txBox="1">
+            <a:spLocks noGrp="1"/>
+          </p:cNvSpPr>
+          <p:nvPr>
+            <p:ph type="body" idx="1"/>
+          </p:nvPr>
+        </p:nvSpPr>
+        <p:spPr>
+          <a:xfrm>
+            <a:off x="311150" y="1536700"/>
+            <a:ext cx="8521700" cy="4554538"/>
+          </a:xfrm>
+        </p:spPr>
+        <p:txBody>
+          <a:bodyPr/>
+          <a:lstStyle/>
+          <a:p>
+            <a:pPr marL="88900" indent="0">
+              <a:lnSpc>
+                <a:spcPct val="150000"/>
+              </a:lnSpc>
+              <a:buNone/>
+            </a:pPr>
+            <a:endParaRPr lang="en-US" sz="2000" dirty="0"/>
+          </a:p>
+        </p:txBody>
+      </p:sp>
+      <p:sp>
+        <p:nvSpPr>
+          <p:cNvPr id="2" name="Slide Number Placeholder 1">
+            <a:extLst>
+              <a:ext uri="{FF2B5EF4-FFF2-40B4-BE49-F238E27FC236}">
+                <a16:creationId xmlns:a16="http://schemas.microsoft.com/office/drawing/2014/main" id="{E5AF1940-A243-4526-83EE-AF8D3FC0AFB8}"/>
+              </a:ext>
+            </a:extLst>
+          </p:cNvPr>
+          <p:cNvSpPr>
+            <a:spLocks noGrp="1"/>
+          </p:cNvSpPr>
+          <p:nvPr>
+            <p:ph type="sldNum" idx="10"/>
+          </p:nvPr>
+        </p:nvSpPr>
+        <p:spPr/>
+        <p:txBody>
+          <a:bodyPr/>
+          <a:lstStyle/>
+          <a:p>
+            <a:pPr>
+              <a:defRPr/>
+            </a:pPr>
+            <a:fld id="{9D2B33C2-A734-4AB5-AC6D-A69A02FE3E9B}" type="slidenum">
+              <a:rPr lang="en-GB" altLang="en-US" sz="1600" smtClean="0">
+                <a:solidFill>
+                  <a:schemeClr val="bg1"/>
+                </a:solidFill>
+                <a:latin typeface="Times New Roman" panose="02020603050405020304" pitchFamily="18" charset="0"/>
+                <a:cs typeface="Times New Roman" panose="02020603050405020304" pitchFamily="18" charset="0"/>
+              </a:rPr>
+              <a:pPr>
+                <a:defRPr/>
+              </a:pPr>
+              <a:t>34</a:t>
+            </a:fld>
+            <a:endParaRPr lang="en-US" altLang="en-US" sz="1600">
+              <a:solidFill>
+                <a:schemeClr val="bg1"/>
+              </a:solidFill>
+              <a:latin typeface="Times New Roman" panose="02020603050405020304" pitchFamily="18" charset="0"/>
+              <a:cs typeface="Times New Roman" panose="02020603050405020304" pitchFamily="18" charset="0"/>
+            </a:endParaRPr>
+          </a:p>
+        </p:txBody>
+      </p:sp>
+    </p:spTree>
+    <p:extLst>
+      <p:ext uri="{BB962C8B-B14F-4D97-AF65-F5344CB8AC3E}">
+        <p14:creationId xmlns:p14="http://schemas.microsoft.com/office/powerpoint/2010/main" val="1916026537"/>
+      </p:ext>
+    </p:extLst>
   </p:cSld>
   <p:clrMapOvr>
     <a:masterClrMapping/>
